--- a/Data Scrape and Validation Presentation.pptx
+++ b/Data Scrape and Validation Presentation.pptx
@@ -15,11 +15,15 @@
     <p:sldId id="268" r:id="rId9"/>
     <p:sldId id="265" r:id="rId10"/>
     <p:sldId id="269" r:id="rId11"/>
-    <p:sldId id="270" r:id="rId12"/>
-    <p:sldId id="261" r:id="rId13"/>
-    <p:sldId id="260" r:id="rId14"/>
-    <p:sldId id="271" r:id="rId15"/>
-    <p:sldId id="272" r:id="rId16"/>
+    <p:sldId id="275" r:id="rId12"/>
+    <p:sldId id="276" r:id="rId13"/>
+    <p:sldId id="270" r:id="rId14"/>
+    <p:sldId id="273" r:id="rId15"/>
+    <p:sldId id="274" r:id="rId16"/>
+    <p:sldId id="261" r:id="rId17"/>
+    <p:sldId id="260" r:id="rId18"/>
+    <p:sldId id="271" r:id="rId19"/>
+    <p:sldId id="272" r:id="rId20"/>
   </p:sldIdLst>
   <p:sldSz cx="12192000" cy="6858000"/>
   <p:notesSz cx="6858000" cy="9144000"/>
@@ -129,7 +133,7 @@
 <file path=ppt/revisionInfo.xml><?xml version="1.0" encoding="utf-8"?>
 <p1510:revInfo xmlns:a="http://schemas.openxmlformats.org/drawingml/2006/main" xmlns:r="http://schemas.openxmlformats.org/officeDocument/2006/relationships" xmlns:p1510="http://schemas.microsoft.com/office/powerpoint/2015/10/main">
   <p1510:revLst>
-    <p1510:client id="{8EAB60BA-E372-48BD-94F6-A0E9F847508E}" v="1029" dt="2024-03-16T16:01:28.370"/>
+    <p1510:client id="{8EAB60BA-E372-48BD-94F6-A0E9F847508E}" v="1086" dt="2024-03-16T22:29:58.878"/>
   </p1510:revLst>
 </p1510:revInfo>
 </file>
@@ -139,7 +143,7 @@
   <pc:docChgLst>
     <pc:chgData name="Tami McManus" userId="4a41d8b392a254fb" providerId="LiveId" clId="{8EAB60BA-E372-48BD-94F6-A0E9F847508E}"/>
     <pc:docChg chg="undo redo custSel addSld delSld modSld sldOrd modMainMaster">
-      <pc:chgData name="Tami McManus" userId="4a41d8b392a254fb" providerId="LiveId" clId="{8EAB60BA-E372-48BD-94F6-A0E9F847508E}" dt="2024-03-16T15:57:14.441" v="10009" actId="20577"/>
+      <pc:chgData name="Tami McManus" userId="4a41d8b392a254fb" providerId="LiveId" clId="{8EAB60BA-E372-48BD-94F6-A0E9F847508E}" dt="2024-03-16T22:34:07.204" v="11875" actId="6549"/>
       <pc:docMkLst>
         <pc:docMk/>
       </pc:docMkLst>
@@ -246,7 +250,7 @@
         </pc:spChg>
       </pc:sldChg>
       <pc:sldChg chg="addSp modSp mod setBg chgLayout">
-        <pc:chgData name="Tami McManus" userId="4a41d8b392a254fb" providerId="LiveId" clId="{8EAB60BA-E372-48BD-94F6-A0E9F847508E}" dt="2024-03-04T21:28:16.053" v="1528" actId="3064"/>
+        <pc:chgData name="Tami McManus" userId="4a41d8b392a254fb" providerId="LiveId" clId="{8EAB60BA-E372-48BD-94F6-A0E9F847508E}" dt="2024-03-16T17:01:18.116" v="10113" actId="20577"/>
         <pc:sldMkLst>
           <pc:docMk/>
           <pc:sldMk cId="3675652982" sldId="258"/>
@@ -260,7 +264,7 @@
           </ac:spMkLst>
         </pc:spChg>
         <pc:spChg chg="mod ord">
-          <ac:chgData name="Tami McManus" userId="4a41d8b392a254fb" providerId="LiveId" clId="{8EAB60BA-E372-48BD-94F6-A0E9F847508E}" dt="2024-03-04T21:28:16.053" v="1528" actId="3064"/>
+          <ac:chgData name="Tami McManus" userId="4a41d8b392a254fb" providerId="LiveId" clId="{8EAB60BA-E372-48BD-94F6-A0E9F847508E}" dt="2024-03-16T17:01:18.116" v="10113" actId="20577"/>
           <ac:spMkLst>
             <pc:docMk/>
             <pc:sldMk cId="3675652982" sldId="258"/>
@@ -309,7 +313,7 @@
         </pc:spChg>
       </pc:sldChg>
       <pc:sldChg chg="addSp modSp mod setBg">
-        <pc:chgData name="Tami McManus" userId="4a41d8b392a254fb" providerId="LiveId" clId="{8EAB60BA-E372-48BD-94F6-A0E9F847508E}" dt="2024-03-08T15:22:05.955" v="3787" actId="20577"/>
+        <pc:chgData name="Tami McManus" userId="4a41d8b392a254fb" providerId="LiveId" clId="{8EAB60BA-E372-48BD-94F6-A0E9F847508E}" dt="2024-03-16T17:06:16.993" v="10275" actId="207"/>
         <pc:sldMkLst>
           <pc:docMk/>
           <pc:sldMk cId="1616608144" sldId="259"/>
@@ -323,7 +327,7 @@
           </ac:spMkLst>
         </pc:spChg>
         <pc:spChg chg="mod">
-          <ac:chgData name="Tami McManus" userId="4a41d8b392a254fb" providerId="LiveId" clId="{8EAB60BA-E372-48BD-94F6-A0E9F847508E}" dt="2024-03-08T15:22:05.955" v="3787" actId="20577"/>
+          <ac:chgData name="Tami McManus" userId="4a41d8b392a254fb" providerId="LiveId" clId="{8EAB60BA-E372-48BD-94F6-A0E9F847508E}" dt="2024-03-16T17:06:16.993" v="10275" actId="207"/>
           <ac:spMkLst>
             <pc:docMk/>
             <pc:sldMk cId="1616608144" sldId="259"/>
@@ -481,7 +485,7 @@
         </pc:spChg>
       </pc:sldChg>
       <pc:sldChg chg="addSp delSp modSp new mod ord modClrScheme chgLayout">
-        <pc:chgData name="Tami McManus" userId="4a41d8b392a254fb" providerId="LiveId" clId="{8EAB60BA-E372-48BD-94F6-A0E9F847508E}" dt="2024-03-16T14:01:48.768" v="6363" actId="20577"/>
+        <pc:chgData name="Tami McManus" userId="4a41d8b392a254fb" providerId="LiveId" clId="{8EAB60BA-E372-48BD-94F6-A0E9F847508E}" dt="2024-03-16T17:02:18.043" v="10161" actId="20577"/>
         <pc:sldMkLst>
           <pc:docMk/>
           <pc:sldMk cId="2032928223" sldId="263"/>
@@ -511,7 +515,7 @@
           </ac:spMkLst>
         </pc:spChg>
         <pc:spChg chg="add mod ord">
-          <ac:chgData name="Tami McManus" userId="4a41d8b392a254fb" providerId="LiveId" clId="{8EAB60BA-E372-48BD-94F6-A0E9F847508E}" dt="2024-03-16T14:01:48.768" v="6363" actId="20577"/>
+          <ac:chgData name="Tami McManus" userId="4a41d8b392a254fb" providerId="LiveId" clId="{8EAB60BA-E372-48BD-94F6-A0E9F847508E}" dt="2024-03-16T17:02:18.043" v="10161" actId="20577"/>
           <ac:spMkLst>
             <pc:docMk/>
             <pc:sldMk cId="2032928223" sldId="263"/>
@@ -814,7 +818,7 @@
         </pc:spChg>
       </pc:sldChg>
       <pc:sldChg chg="addSp delSp modSp add mod setBg">
-        <pc:chgData name="Tami McManus" userId="4a41d8b392a254fb" providerId="LiveId" clId="{8EAB60BA-E372-48BD-94F6-A0E9F847508E}" dt="2024-03-16T13:56:40.837" v="6072" actId="20577"/>
+        <pc:chgData name="Tami McManus" userId="4a41d8b392a254fb" providerId="LiveId" clId="{8EAB60BA-E372-48BD-94F6-A0E9F847508E}" dt="2024-03-16T17:03:53.477" v="10231" actId="20577"/>
         <pc:sldMkLst>
           <pc:docMk/>
           <pc:sldMk cId="3298773445" sldId="266"/>
@@ -828,7 +832,7 @@
           </ac:spMkLst>
         </pc:spChg>
         <pc:spChg chg="mod">
-          <ac:chgData name="Tami McManus" userId="4a41d8b392a254fb" providerId="LiveId" clId="{8EAB60BA-E372-48BD-94F6-A0E9F847508E}" dt="2024-03-15T23:09:58.758" v="5318" actId="14100"/>
+          <ac:chgData name="Tami McManus" userId="4a41d8b392a254fb" providerId="LiveId" clId="{8EAB60BA-E372-48BD-94F6-A0E9F847508E}" dt="2024-03-16T17:03:10.869" v="10204" actId="20577"/>
           <ac:spMkLst>
             <pc:docMk/>
             <pc:sldMk cId="3298773445" sldId="266"/>
@@ -900,7 +904,7 @@
           </ac:spMkLst>
         </pc:spChg>
         <pc:spChg chg="add mod">
-          <ac:chgData name="Tami McManus" userId="4a41d8b392a254fb" providerId="LiveId" clId="{8EAB60BA-E372-48BD-94F6-A0E9F847508E}" dt="2024-03-16T13:56:32.785" v="6070" actId="20577"/>
+          <ac:chgData name="Tami McManus" userId="4a41d8b392a254fb" providerId="LiveId" clId="{8EAB60BA-E372-48BD-94F6-A0E9F847508E}" dt="2024-03-16T17:03:53.477" v="10231" actId="20577"/>
           <ac:spMkLst>
             <pc:docMk/>
             <pc:sldMk cId="3298773445" sldId="266"/>
@@ -908,7 +912,7 @@
           </ac:spMkLst>
         </pc:spChg>
         <pc:graphicFrameChg chg="add mod modGraphic">
-          <ac:chgData name="Tami McManus" userId="4a41d8b392a254fb" providerId="LiveId" clId="{8EAB60BA-E372-48BD-94F6-A0E9F847508E}" dt="2024-03-16T13:56:40.837" v="6072" actId="20577"/>
+          <ac:chgData name="Tami McManus" userId="4a41d8b392a254fb" providerId="LiveId" clId="{8EAB60BA-E372-48BD-94F6-A0E9F847508E}" dt="2024-03-16T17:03:42.572" v="10228" actId="20577"/>
           <ac:graphicFrameMkLst>
             <pc:docMk/>
             <pc:sldMk cId="3298773445" sldId="266"/>
@@ -1003,7 +1007,7 @@
         </pc:spChg>
       </pc:sldChg>
       <pc:sldChg chg="addSp delSp modSp add mod">
-        <pc:chgData name="Tami McManus" userId="4a41d8b392a254fb" providerId="LiveId" clId="{8EAB60BA-E372-48BD-94F6-A0E9F847508E}" dt="2024-03-16T15:52:05.569" v="9889" actId="18131"/>
+        <pc:chgData name="Tami McManus" userId="4a41d8b392a254fb" providerId="LiveId" clId="{8EAB60BA-E372-48BD-94F6-A0E9F847508E}" dt="2024-03-16T17:05:19.900" v="10271" actId="20577"/>
         <pc:sldMkLst>
           <pc:docMk/>
           <pc:sldMk cId="3646203492" sldId="269"/>
@@ -1065,7 +1069,7 @@
           </ac:spMkLst>
         </pc:spChg>
         <pc:graphicFrameChg chg="add del mod modGraphic">
-          <ac:chgData name="Tami McManus" userId="4a41d8b392a254fb" providerId="LiveId" clId="{8EAB60BA-E372-48BD-94F6-A0E9F847508E}" dt="2024-03-16T15:52:05.569" v="9889" actId="18131"/>
+          <ac:chgData name="Tami McManus" userId="4a41d8b392a254fb" providerId="LiveId" clId="{8EAB60BA-E372-48BD-94F6-A0E9F847508E}" dt="2024-03-16T17:05:19.900" v="10271" actId="20577"/>
           <ac:graphicFrameMkLst>
             <pc:docMk/>
             <pc:sldMk cId="3646203492" sldId="269"/>
@@ -1139,6 +1143,432 @@
             <pc:docMk/>
             <pc:sldMk cId="2197047077" sldId="272"/>
             <ac:spMk id="3" creationId="{4E69F7DE-FC31-DBEF-A52A-D52484C51FB3}"/>
+          </ac:spMkLst>
+        </pc:spChg>
+      </pc:sldChg>
+      <pc:sldChg chg="modSp add mod ord">
+        <pc:chgData name="Tami McManus" userId="4a41d8b392a254fb" providerId="LiveId" clId="{8EAB60BA-E372-48BD-94F6-A0E9F847508E}" dt="2024-03-16T17:07:30.692" v="10316" actId="20577"/>
+        <pc:sldMkLst>
+          <pc:docMk/>
+          <pc:sldMk cId="2209145333" sldId="273"/>
+        </pc:sldMkLst>
+        <pc:spChg chg="mod">
+          <ac:chgData name="Tami McManus" userId="4a41d8b392a254fb" providerId="LiveId" clId="{8EAB60BA-E372-48BD-94F6-A0E9F847508E}" dt="2024-03-16T17:07:22.708" v="10302" actId="20577"/>
+          <ac:spMkLst>
+            <pc:docMk/>
+            <pc:sldMk cId="2209145333" sldId="273"/>
+            <ac:spMk id="2" creationId="{DB94146B-0B5D-3D38-CC45-8612C4E19933}"/>
+          </ac:spMkLst>
+        </pc:spChg>
+        <pc:spChg chg="mod">
+          <ac:chgData name="Tami McManus" userId="4a41d8b392a254fb" providerId="LiveId" clId="{8EAB60BA-E372-48BD-94F6-A0E9F847508E}" dt="2024-03-16T17:07:30.692" v="10316" actId="20577"/>
+          <ac:spMkLst>
+            <pc:docMk/>
+            <pc:sldMk cId="2209145333" sldId="273"/>
+            <ac:spMk id="3" creationId="{A92E0EC7-2385-EC35-313E-58A5E41C0571}"/>
+          </ac:spMkLst>
+        </pc:spChg>
+      </pc:sldChg>
+      <pc:sldChg chg="modSp add mod">
+        <pc:chgData name="Tami McManus" userId="4a41d8b392a254fb" providerId="LiveId" clId="{8EAB60BA-E372-48BD-94F6-A0E9F847508E}" dt="2024-03-16T17:07:54.860" v="10333" actId="20577"/>
+        <pc:sldMkLst>
+          <pc:docMk/>
+          <pc:sldMk cId="3237007141" sldId="274"/>
+        </pc:sldMkLst>
+        <pc:spChg chg="mod">
+          <ac:chgData name="Tami McManus" userId="4a41d8b392a254fb" providerId="LiveId" clId="{8EAB60BA-E372-48BD-94F6-A0E9F847508E}" dt="2024-03-16T17:07:54.860" v="10333" actId="20577"/>
+          <ac:spMkLst>
+            <pc:docMk/>
+            <pc:sldMk cId="3237007141" sldId="274"/>
+            <ac:spMk id="2" creationId="{DB94146B-0B5D-3D38-CC45-8612C4E19933}"/>
+          </ac:spMkLst>
+        </pc:spChg>
+      </pc:sldChg>
+      <pc:sldChg chg="add del">
+        <pc:chgData name="Tami McManus" userId="4a41d8b392a254fb" providerId="LiveId" clId="{8EAB60BA-E372-48BD-94F6-A0E9F847508E}" dt="2024-03-16T17:07:45.929" v="10318" actId="2696"/>
+        <pc:sldMkLst>
+          <pc:docMk/>
+          <pc:sldMk cId="4038652580" sldId="274"/>
+        </pc:sldMkLst>
+      </pc:sldChg>
+      <pc:sldChg chg="addSp delSp modSp add mod ord setBg">
+        <pc:chgData name="Tami McManus" userId="4a41d8b392a254fb" providerId="LiveId" clId="{8EAB60BA-E372-48BD-94F6-A0E9F847508E}" dt="2024-03-16T22:34:07.204" v="11875" actId="6549"/>
+        <pc:sldMkLst>
+          <pc:docMk/>
+          <pc:sldMk cId="1354533564" sldId="275"/>
+        </pc:sldMkLst>
+        <pc:spChg chg="mod">
+          <ac:chgData name="Tami McManus" userId="4a41d8b392a254fb" providerId="LiveId" clId="{8EAB60BA-E372-48BD-94F6-A0E9F847508E}" dt="2024-03-16T22:32:49.773" v="11819" actId="20577"/>
+          <ac:spMkLst>
+            <pc:docMk/>
+            <pc:sldMk cId="1354533564" sldId="275"/>
+            <ac:spMk id="2" creationId="{DB94146B-0B5D-3D38-CC45-8612C4E19933}"/>
+          </ac:spMkLst>
+        </pc:spChg>
+        <pc:spChg chg="del mod">
+          <ac:chgData name="Tami McManus" userId="4a41d8b392a254fb" providerId="LiveId" clId="{8EAB60BA-E372-48BD-94F6-A0E9F847508E}" dt="2024-03-16T22:17:18.616" v="10854" actId="26606"/>
+          <ac:spMkLst>
+            <pc:docMk/>
+            <pc:sldMk cId="1354533564" sldId="275"/>
+            <ac:spMk id="3" creationId="{A92E0EC7-2385-EC35-313E-58A5E41C0571}"/>
+          </ac:spMkLst>
+        </pc:spChg>
+        <pc:spChg chg="add mod">
+          <ac:chgData name="Tami McManus" userId="4a41d8b392a254fb" providerId="LiveId" clId="{8EAB60BA-E372-48BD-94F6-A0E9F847508E}" dt="2024-03-16T22:34:07.204" v="11875" actId="6549"/>
+          <ac:spMkLst>
+            <pc:docMk/>
+            <pc:sldMk cId="1354533564" sldId="275"/>
+            <ac:spMk id="5" creationId="{45305FB5-682A-D7E4-CCAD-6DAD75EEBC94}"/>
+          </ac:spMkLst>
+        </pc:spChg>
+        <pc:spChg chg="add mod">
+          <ac:chgData name="Tami McManus" userId="4a41d8b392a254fb" providerId="LiveId" clId="{8EAB60BA-E372-48BD-94F6-A0E9F847508E}" dt="2024-03-16T22:29:46.829" v="11556" actId="767"/>
+          <ac:spMkLst>
+            <pc:docMk/>
+            <pc:sldMk cId="1354533564" sldId="275"/>
+            <ac:spMk id="6" creationId="{EB8CB1BA-3E48-7E6C-A1DE-499BC26F0646}"/>
+          </ac:spMkLst>
+        </pc:spChg>
+        <pc:spChg chg="add mod">
+          <ac:chgData name="Tami McManus" userId="4a41d8b392a254fb" providerId="LiveId" clId="{8EAB60BA-E372-48BD-94F6-A0E9F847508E}" dt="2024-03-16T22:32:15.510" v="11783" actId="1076"/>
+          <ac:spMkLst>
+            <pc:docMk/>
+            <pc:sldMk cId="1354533564" sldId="275"/>
+            <ac:spMk id="7" creationId="{CDE9DF76-42B4-F70B-317D-853981A487D9}"/>
+          </ac:spMkLst>
+        </pc:spChg>
+        <pc:spChg chg="add del">
+          <ac:chgData name="Tami McManus" userId="4a41d8b392a254fb" providerId="LiveId" clId="{8EAB60BA-E372-48BD-94F6-A0E9F847508E}" dt="2024-03-16T22:17:18.616" v="10854" actId="26606"/>
+          <ac:spMkLst>
+            <pc:docMk/>
+            <pc:sldMk cId="1354533564" sldId="275"/>
+            <ac:spMk id="8" creationId="{29DC5A77-10C9-4ECF-B7EB-8D917F36A9EE}"/>
+          </ac:spMkLst>
+        </pc:spChg>
+        <pc:spChg chg="add del">
+          <ac:chgData name="Tami McManus" userId="4a41d8b392a254fb" providerId="LiveId" clId="{8EAB60BA-E372-48BD-94F6-A0E9F847508E}" dt="2024-03-16T22:17:18.616" v="10854" actId="26606"/>
+          <ac:spMkLst>
+            <pc:docMk/>
+            <pc:sldMk cId="1354533564" sldId="275"/>
+            <ac:spMk id="10" creationId="{2FFE28B5-FB16-49A9-B851-3C35FAC0CACB}"/>
+          </ac:spMkLst>
+        </pc:spChg>
+        <pc:spChg chg="add del">
+          <ac:chgData name="Tami McManus" userId="4a41d8b392a254fb" providerId="LiveId" clId="{8EAB60BA-E372-48BD-94F6-A0E9F847508E}" dt="2024-03-16T22:17:18.616" v="10854" actId="26606"/>
+          <ac:spMkLst>
+            <pc:docMk/>
+            <pc:sldMk cId="1354533564" sldId="275"/>
+            <ac:spMk id="12" creationId="{01014442-855A-4E0F-8D09-C314661A48B9}"/>
+          </ac:spMkLst>
+        </pc:spChg>
+        <pc:spChg chg="add del">
+          <ac:chgData name="Tami McManus" userId="4a41d8b392a254fb" providerId="LiveId" clId="{8EAB60BA-E372-48BD-94F6-A0E9F847508E}" dt="2024-03-16T22:17:18.616" v="10854" actId="26606"/>
+          <ac:spMkLst>
+            <pc:docMk/>
+            <pc:sldMk cId="1354533564" sldId="275"/>
+            <ac:spMk id="14" creationId="{9B1ABF09-86CF-414E-88A5-2B84CC7232A9}"/>
+          </ac:spMkLst>
+        </pc:spChg>
+        <pc:spChg chg="add del">
+          <ac:chgData name="Tami McManus" userId="4a41d8b392a254fb" providerId="LiveId" clId="{8EAB60BA-E372-48BD-94F6-A0E9F847508E}" dt="2024-03-16T22:17:18.616" v="10854" actId="26606"/>
+          <ac:spMkLst>
+            <pc:docMk/>
+            <pc:sldMk cId="1354533564" sldId="275"/>
+            <ac:spMk id="16" creationId="{3FE91770-CDBB-4D24-94E5-AD484F36CE87}"/>
+          </ac:spMkLst>
+        </pc:spChg>
+        <pc:spChg chg="add del">
+          <ac:chgData name="Tami McManus" userId="4a41d8b392a254fb" providerId="LiveId" clId="{8EAB60BA-E372-48BD-94F6-A0E9F847508E}" dt="2024-03-16T22:18:32.122" v="10874" actId="26606"/>
+          <ac:spMkLst>
+            <pc:docMk/>
+            <pc:sldMk cId="1354533564" sldId="275"/>
+            <ac:spMk id="23" creationId="{886D4068-D045-48B0-9A00-198F2FE4B57C}"/>
+          </ac:spMkLst>
+        </pc:spChg>
+        <pc:spChg chg="add del">
+          <ac:chgData name="Tami McManus" userId="4a41d8b392a254fb" providerId="LiveId" clId="{8EAB60BA-E372-48BD-94F6-A0E9F847508E}" dt="2024-03-16T22:18:32.122" v="10874" actId="26606"/>
+          <ac:spMkLst>
+            <pc:docMk/>
+            <pc:sldMk cId="1354533564" sldId="275"/>
+            <ac:spMk id="25" creationId="{12664C4B-AAE2-4AA0-8918-134E8086F37E}"/>
+          </ac:spMkLst>
+        </pc:spChg>
+        <pc:spChg chg="add del">
+          <ac:chgData name="Tami McManus" userId="4a41d8b392a254fb" providerId="LiveId" clId="{8EAB60BA-E372-48BD-94F6-A0E9F847508E}" dt="2024-03-16T22:18:32.122" v="10874" actId="26606"/>
+          <ac:spMkLst>
+            <pc:docMk/>
+            <pc:sldMk cId="1354533564" sldId="275"/>
+            <ac:spMk id="27" creationId="{616F9FD8-4CFE-4C77-8F29-5D801C57E2AB}"/>
+          </ac:spMkLst>
+        </pc:spChg>
+        <pc:graphicFrameChg chg="add del mod modGraphic">
+          <ac:chgData name="Tami McManus" userId="4a41d8b392a254fb" providerId="LiveId" clId="{8EAB60BA-E372-48BD-94F6-A0E9F847508E}" dt="2024-03-16T22:22:00.643" v="10956" actId="478"/>
+          <ac:graphicFrameMkLst>
+            <pc:docMk/>
+            <pc:sldMk cId="1354533564" sldId="275"/>
+            <ac:graphicFrameMk id="18" creationId="{B1D72E5E-10B9-15AC-CA5D-B33C04D9CDA7}"/>
+          </ac:graphicFrameMkLst>
+        </pc:graphicFrameChg>
+        <pc:picChg chg="add del">
+          <ac:chgData name="Tami McManus" userId="4a41d8b392a254fb" providerId="LiveId" clId="{8EAB60BA-E372-48BD-94F6-A0E9F847508E}" dt="2024-03-16T22:17:07.841" v="10853" actId="26606"/>
+          <ac:picMkLst>
+            <pc:docMk/>
+            <pc:sldMk cId="1354533564" sldId="275"/>
+            <ac:picMk id="20" creationId="{84E545D5-4C18-4FB5-6F8B-9134BE566FA7}"/>
+          </ac:picMkLst>
+        </pc:picChg>
+      </pc:sldChg>
+      <pc:sldChg chg="addSp delSp modSp add del mod ord setBg delDesignElem chgLayout">
+        <pc:chgData name="Tami McManus" userId="4a41d8b392a254fb" providerId="LiveId" clId="{8EAB60BA-E372-48BD-94F6-A0E9F847508E}" dt="2024-03-16T22:22:38.456" v="10962" actId="2696"/>
+        <pc:sldMkLst>
+          <pc:docMk/>
+          <pc:sldMk cId="2988825138" sldId="276"/>
+        </pc:sldMkLst>
+        <pc:spChg chg="mod ord">
+          <ac:chgData name="Tami McManus" userId="4a41d8b392a254fb" providerId="LiveId" clId="{8EAB60BA-E372-48BD-94F6-A0E9F847508E}" dt="2024-03-16T22:20:49.298" v="10952" actId="27636"/>
+          <ac:spMkLst>
+            <pc:docMk/>
+            <pc:sldMk cId="2988825138" sldId="276"/>
+            <ac:spMk id="2" creationId="{DB94146B-0B5D-3D38-CC45-8612C4E19933}"/>
+          </ac:spMkLst>
+        </pc:spChg>
+        <pc:spChg chg="add del mod ord">
+          <ac:chgData name="Tami McManus" userId="4a41d8b392a254fb" providerId="LiveId" clId="{8EAB60BA-E372-48BD-94F6-A0E9F847508E}" dt="2024-03-16T22:20:49.254" v="10951" actId="700"/>
+          <ac:spMkLst>
+            <pc:docMk/>
+            <pc:sldMk cId="2988825138" sldId="276"/>
+            <ac:spMk id="3" creationId="{A92E0EC7-2385-EC35-313E-58A5E41C0571}"/>
+          </ac:spMkLst>
+        </pc:spChg>
+        <pc:spChg chg="add del">
+          <ac:chgData name="Tami McManus" userId="4a41d8b392a254fb" providerId="LiveId" clId="{8EAB60BA-E372-48BD-94F6-A0E9F847508E}" dt="2024-03-16T22:20:49.254" v="10951" actId="700"/>
+          <ac:spMkLst>
+            <pc:docMk/>
+            <pc:sldMk cId="2988825138" sldId="276"/>
+            <ac:spMk id="8" creationId="{29DC5A77-10C9-4ECF-B7EB-8D917F36A9EE}"/>
+          </ac:spMkLst>
+        </pc:spChg>
+        <pc:spChg chg="add del">
+          <ac:chgData name="Tami McManus" userId="4a41d8b392a254fb" providerId="LiveId" clId="{8EAB60BA-E372-48BD-94F6-A0E9F847508E}" dt="2024-03-16T22:20:49.254" v="10951" actId="700"/>
+          <ac:spMkLst>
+            <pc:docMk/>
+            <pc:sldMk cId="2988825138" sldId="276"/>
+            <ac:spMk id="10" creationId="{2FFE28B5-FB16-49A9-B851-3C35FAC0CACB}"/>
+          </ac:spMkLst>
+        </pc:spChg>
+        <pc:spChg chg="add del">
+          <ac:chgData name="Tami McManus" userId="4a41d8b392a254fb" providerId="LiveId" clId="{8EAB60BA-E372-48BD-94F6-A0E9F847508E}" dt="2024-03-16T22:20:49.254" v="10951" actId="700"/>
+          <ac:spMkLst>
+            <pc:docMk/>
+            <pc:sldMk cId="2988825138" sldId="276"/>
+            <ac:spMk id="12" creationId="{01014442-855A-4E0F-8D09-C314661A48B9}"/>
+          </ac:spMkLst>
+        </pc:spChg>
+        <pc:spChg chg="add del">
+          <ac:chgData name="Tami McManus" userId="4a41d8b392a254fb" providerId="LiveId" clId="{8EAB60BA-E372-48BD-94F6-A0E9F847508E}" dt="2024-03-16T22:20:49.254" v="10951" actId="700"/>
+          <ac:spMkLst>
+            <pc:docMk/>
+            <pc:sldMk cId="2988825138" sldId="276"/>
+            <ac:spMk id="14" creationId="{9B1ABF09-86CF-414E-88A5-2B84CC7232A9}"/>
+          </ac:spMkLst>
+        </pc:spChg>
+        <pc:spChg chg="add del">
+          <ac:chgData name="Tami McManus" userId="4a41d8b392a254fb" providerId="LiveId" clId="{8EAB60BA-E372-48BD-94F6-A0E9F847508E}" dt="2024-03-16T22:20:49.254" v="10951" actId="700"/>
+          <ac:spMkLst>
+            <pc:docMk/>
+            <pc:sldMk cId="2988825138" sldId="276"/>
+            <ac:spMk id="16" creationId="{3FE91770-CDBB-4D24-94E5-AD484F36CE87}"/>
+          </ac:spMkLst>
+        </pc:spChg>
+        <pc:spChg chg="add del">
+          <ac:chgData name="Tami McManus" userId="4a41d8b392a254fb" providerId="LiveId" clId="{8EAB60BA-E372-48BD-94F6-A0E9F847508E}" dt="2024-03-16T22:20:34.434" v="10944" actId="26606"/>
+          <ac:spMkLst>
+            <pc:docMk/>
+            <pc:sldMk cId="2988825138" sldId="276"/>
+            <ac:spMk id="22" creationId="{BB45ABDE-2EA6-40F6-9A5A-05AF187760EE}"/>
+          </ac:spMkLst>
+        </pc:spChg>
+        <pc:spChg chg="add del">
+          <ac:chgData name="Tami McManus" userId="4a41d8b392a254fb" providerId="LiveId" clId="{8EAB60BA-E372-48BD-94F6-A0E9F847508E}" dt="2024-03-16T22:20:34.434" v="10944" actId="26606"/>
+          <ac:spMkLst>
+            <pc:docMk/>
+            <pc:sldMk cId="2988825138" sldId="276"/>
+            <ac:spMk id="24" creationId="{F9258D3F-3594-4FF6-8C83-16F29A8620BE}"/>
+          </ac:spMkLst>
+        </pc:spChg>
+        <pc:spChg chg="add del">
+          <ac:chgData name="Tami McManus" userId="4a41d8b392a254fb" providerId="LiveId" clId="{8EAB60BA-E372-48BD-94F6-A0E9F847508E}" dt="2024-03-16T22:20:34.434" v="10944" actId="26606"/>
+          <ac:spMkLst>
+            <pc:docMk/>
+            <pc:sldMk cId="2988825138" sldId="276"/>
+            <ac:spMk id="26" creationId="{B7BD14D8-D35D-4C1B-9EBB-1F2F8FA63699}"/>
+          </ac:spMkLst>
+        </pc:spChg>
+        <pc:spChg chg="add del">
+          <ac:chgData name="Tami McManus" userId="4a41d8b392a254fb" providerId="LiveId" clId="{8EAB60BA-E372-48BD-94F6-A0E9F847508E}" dt="2024-03-16T22:20:36.498" v="10946" actId="26606"/>
+          <ac:spMkLst>
+            <pc:docMk/>
+            <pc:sldMk cId="2988825138" sldId="276"/>
+            <ac:spMk id="28" creationId="{29DC5A77-10C9-4ECF-B7EB-8D917F36A9EE}"/>
+          </ac:spMkLst>
+        </pc:spChg>
+        <pc:spChg chg="add del">
+          <ac:chgData name="Tami McManus" userId="4a41d8b392a254fb" providerId="LiveId" clId="{8EAB60BA-E372-48BD-94F6-A0E9F847508E}" dt="2024-03-16T22:20:36.498" v="10946" actId="26606"/>
+          <ac:spMkLst>
+            <pc:docMk/>
+            <pc:sldMk cId="2988825138" sldId="276"/>
+            <ac:spMk id="29" creationId="{2FFE28B5-FB16-49A9-B851-3C35FAC0CACB}"/>
+          </ac:spMkLst>
+        </pc:spChg>
+        <pc:spChg chg="add del">
+          <ac:chgData name="Tami McManus" userId="4a41d8b392a254fb" providerId="LiveId" clId="{8EAB60BA-E372-48BD-94F6-A0E9F847508E}" dt="2024-03-16T22:20:36.498" v="10946" actId="26606"/>
+          <ac:spMkLst>
+            <pc:docMk/>
+            <pc:sldMk cId="2988825138" sldId="276"/>
+            <ac:spMk id="30" creationId="{01014442-855A-4E0F-8D09-C314661A48B9}"/>
+          </ac:spMkLst>
+        </pc:spChg>
+        <pc:spChg chg="add del">
+          <ac:chgData name="Tami McManus" userId="4a41d8b392a254fb" providerId="LiveId" clId="{8EAB60BA-E372-48BD-94F6-A0E9F847508E}" dt="2024-03-16T22:20:36.498" v="10946" actId="26606"/>
+          <ac:spMkLst>
+            <pc:docMk/>
+            <pc:sldMk cId="2988825138" sldId="276"/>
+            <ac:spMk id="31" creationId="{9B1ABF09-86CF-414E-88A5-2B84CC7232A9}"/>
+          </ac:spMkLst>
+        </pc:spChg>
+        <pc:spChg chg="add del">
+          <ac:chgData name="Tami McManus" userId="4a41d8b392a254fb" providerId="LiveId" clId="{8EAB60BA-E372-48BD-94F6-A0E9F847508E}" dt="2024-03-16T22:20:36.498" v="10946" actId="26606"/>
+          <ac:spMkLst>
+            <pc:docMk/>
+            <pc:sldMk cId="2988825138" sldId="276"/>
+            <ac:spMk id="32" creationId="{3FE91770-CDBB-4D24-94E5-AD484F36CE87}"/>
+          </ac:spMkLst>
+        </pc:spChg>
+        <pc:spChg chg="add del">
+          <ac:chgData name="Tami McManus" userId="4a41d8b392a254fb" providerId="LiveId" clId="{8EAB60BA-E372-48BD-94F6-A0E9F847508E}" dt="2024-03-16T22:20:38.541" v="10948" actId="26606"/>
+          <ac:spMkLst>
+            <pc:docMk/>
+            <pc:sldMk cId="2988825138" sldId="276"/>
+            <ac:spMk id="35" creationId="{29DC5A77-10C9-4ECF-B7EB-8D917F36A9EE}"/>
+          </ac:spMkLst>
+        </pc:spChg>
+        <pc:spChg chg="add del">
+          <ac:chgData name="Tami McManus" userId="4a41d8b392a254fb" providerId="LiveId" clId="{8EAB60BA-E372-48BD-94F6-A0E9F847508E}" dt="2024-03-16T22:20:38.541" v="10948" actId="26606"/>
+          <ac:spMkLst>
+            <pc:docMk/>
+            <pc:sldMk cId="2988825138" sldId="276"/>
+            <ac:spMk id="36" creationId="{2FFE28B5-FB16-49A9-B851-3C35FAC0CACB}"/>
+          </ac:spMkLst>
+        </pc:spChg>
+        <pc:spChg chg="add del">
+          <ac:chgData name="Tami McManus" userId="4a41d8b392a254fb" providerId="LiveId" clId="{8EAB60BA-E372-48BD-94F6-A0E9F847508E}" dt="2024-03-16T22:20:38.541" v="10948" actId="26606"/>
+          <ac:spMkLst>
+            <pc:docMk/>
+            <pc:sldMk cId="2988825138" sldId="276"/>
+            <ac:spMk id="37" creationId="{01014442-855A-4E0F-8D09-C314661A48B9}"/>
+          </ac:spMkLst>
+        </pc:spChg>
+        <pc:spChg chg="add del">
+          <ac:chgData name="Tami McManus" userId="4a41d8b392a254fb" providerId="LiveId" clId="{8EAB60BA-E372-48BD-94F6-A0E9F847508E}" dt="2024-03-16T22:20:38.541" v="10948" actId="26606"/>
+          <ac:spMkLst>
+            <pc:docMk/>
+            <pc:sldMk cId="2988825138" sldId="276"/>
+            <ac:spMk id="38" creationId="{9B1ABF09-86CF-414E-88A5-2B84CC7232A9}"/>
+          </ac:spMkLst>
+        </pc:spChg>
+        <pc:spChg chg="add del">
+          <ac:chgData name="Tami McManus" userId="4a41d8b392a254fb" providerId="LiveId" clId="{8EAB60BA-E372-48BD-94F6-A0E9F847508E}" dt="2024-03-16T22:20:38.541" v="10948" actId="26606"/>
+          <ac:spMkLst>
+            <pc:docMk/>
+            <pc:sldMk cId="2988825138" sldId="276"/>
+            <ac:spMk id="39" creationId="{3FE91770-CDBB-4D24-94E5-AD484F36CE87}"/>
+          </ac:spMkLst>
+        </pc:spChg>
+        <pc:spChg chg="add del">
+          <ac:chgData name="Tami McManus" userId="4a41d8b392a254fb" providerId="LiveId" clId="{8EAB60BA-E372-48BD-94F6-A0E9F847508E}" dt="2024-03-16T22:20:42.277" v="10950" actId="26606"/>
+          <ac:spMkLst>
+            <pc:docMk/>
+            <pc:sldMk cId="2988825138" sldId="276"/>
+            <ac:spMk id="42" creationId="{29DC5A77-10C9-4ECF-B7EB-8D917F36A9EE}"/>
+          </ac:spMkLst>
+        </pc:spChg>
+        <pc:spChg chg="add del">
+          <ac:chgData name="Tami McManus" userId="4a41d8b392a254fb" providerId="LiveId" clId="{8EAB60BA-E372-48BD-94F6-A0E9F847508E}" dt="2024-03-16T22:20:42.277" v="10950" actId="26606"/>
+          <ac:spMkLst>
+            <pc:docMk/>
+            <pc:sldMk cId="2988825138" sldId="276"/>
+            <ac:spMk id="43" creationId="{2FFE28B5-FB16-49A9-B851-3C35FAC0CACB}"/>
+          </ac:spMkLst>
+        </pc:spChg>
+        <pc:spChg chg="add del">
+          <ac:chgData name="Tami McManus" userId="4a41d8b392a254fb" providerId="LiveId" clId="{8EAB60BA-E372-48BD-94F6-A0E9F847508E}" dt="2024-03-16T22:20:42.277" v="10950" actId="26606"/>
+          <ac:spMkLst>
+            <pc:docMk/>
+            <pc:sldMk cId="2988825138" sldId="276"/>
+            <ac:spMk id="44" creationId="{01014442-855A-4E0F-8D09-C314661A48B9}"/>
+          </ac:spMkLst>
+        </pc:spChg>
+        <pc:spChg chg="add del">
+          <ac:chgData name="Tami McManus" userId="4a41d8b392a254fb" providerId="LiveId" clId="{8EAB60BA-E372-48BD-94F6-A0E9F847508E}" dt="2024-03-16T22:20:42.277" v="10950" actId="26606"/>
+          <ac:spMkLst>
+            <pc:docMk/>
+            <pc:sldMk cId="2988825138" sldId="276"/>
+            <ac:spMk id="45" creationId="{9B1ABF09-86CF-414E-88A5-2B84CC7232A9}"/>
+          </ac:spMkLst>
+        </pc:spChg>
+        <pc:spChg chg="add del">
+          <ac:chgData name="Tami McManus" userId="4a41d8b392a254fb" providerId="LiveId" clId="{8EAB60BA-E372-48BD-94F6-A0E9F847508E}" dt="2024-03-16T22:20:42.277" v="10950" actId="26606"/>
+          <ac:spMkLst>
+            <pc:docMk/>
+            <pc:sldMk cId="2988825138" sldId="276"/>
+            <ac:spMk id="46" creationId="{3FE91770-CDBB-4D24-94E5-AD484F36CE87}"/>
+          </ac:spMkLst>
+        </pc:spChg>
+        <pc:graphicFrameChg chg="add del">
+          <ac:chgData name="Tami McManus" userId="4a41d8b392a254fb" providerId="LiveId" clId="{8EAB60BA-E372-48BD-94F6-A0E9F847508E}" dt="2024-03-16T22:20:36.498" v="10946" actId="26606"/>
+          <ac:graphicFrameMkLst>
+            <pc:docMk/>
+            <pc:sldMk cId="2988825138" sldId="276"/>
+            <ac:graphicFrameMk id="33" creationId="{F2E5D79B-69A3-E1C6-BBB8-9296E74EB2E3}"/>
+          </ac:graphicFrameMkLst>
+        </pc:graphicFrameChg>
+        <pc:graphicFrameChg chg="add del">
+          <ac:chgData name="Tami McManus" userId="4a41d8b392a254fb" providerId="LiveId" clId="{8EAB60BA-E372-48BD-94F6-A0E9F847508E}" dt="2024-03-16T22:20:38.541" v="10948" actId="26606"/>
+          <ac:graphicFrameMkLst>
+            <pc:docMk/>
+            <pc:sldMk cId="2988825138" sldId="276"/>
+            <ac:graphicFrameMk id="40" creationId="{3B55B229-899C-09D3-F33F-090D944343D0}"/>
+          </ac:graphicFrameMkLst>
+        </pc:graphicFrameChg>
+        <pc:graphicFrameChg chg="add del">
+          <ac:chgData name="Tami McManus" userId="4a41d8b392a254fb" providerId="LiveId" clId="{8EAB60BA-E372-48BD-94F6-A0E9F847508E}" dt="2024-03-16T22:20:42.277" v="10950" actId="26606"/>
+          <ac:graphicFrameMkLst>
+            <pc:docMk/>
+            <pc:sldMk cId="2988825138" sldId="276"/>
+            <ac:graphicFrameMk id="47" creationId="{8DE05209-C8AA-BE8F-F4B5-E9A663C3B70F}"/>
+          </ac:graphicFrameMkLst>
+        </pc:graphicFrameChg>
+        <pc:picChg chg="add del">
+          <ac:chgData name="Tami McManus" userId="4a41d8b392a254fb" providerId="LiveId" clId="{8EAB60BA-E372-48BD-94F6-A0E9F847508E}" dt="2024-03-16T22:20:34.434" v="10944" actId="26606"/>
+          <ac:picMkLst>
+            <pc:docMk/>
+            <pc:sldMk cId="2988825138" sldId="276"/>
+            <ac:picMk id="18" creationId="{B6185BBD-AD11-B22F-BBD6-A48F7751F877}"/>
+          </ac:picMkLst>
+        </pc:picChg>
+      </pc:sldChg>
+      <pc:sldChg chg="modSp add mod">
+        <pc:chgData name="Tami McManus" userId="4a41d8b392a254fb" providerId="LiveId" clId="{8EAB60BA-E372-48BD-94F6-A0E9F847508E}" dt="2024-03-16T22:32:43.517" v="11808" actId="5793"/>
+        <pc:sldMkLst>
+          <pc:docMk/>
+          <pc:sldMk cId="3806804202" sldId="276"/>
+        </pc:sldMkLst>
+        <pc:spChg chg="mod">
+          <ac:chgData name="Tami McManus" userId="4a41d8b392a254fb" providerId="LiveId" clId="{8EAB60BA-E372-48BD-94F6-A0E9F847508E}" dt="2024-03-16T22:32:43.517" v="11808" actId="5793"/>
+          <ac:spMkLst>
+            <pc:docMk/>
+            <pc:sldMk cId="3806804202" sldId="276"/>
+            <ac:spMk id="2" creationId="{DB94146B-0B5D-3D38-CC45-8612C4E19933}"/>
           </ac:spMkLst>
         </pc:spChg>
       </pc:sldChg>
@@ -2203,7 +2633,7 @@
         <a:p>
           <a:r>
             <a:rPr lang="en-US" sz="1800" dirty="0"/>
-            <a:t>Use Acrobat Pro to convert scanned images to text, if needed</a:t>
+            <a:t>Run OCR in Acrobat Pro, if needed</a:t>
           </a:r>
         </a:p>
       </dgm:t>
@@ -2347,7 +2777,7 @@
         <a:p>
           <a:r>
             <a:rPr lang="en-US" sz="1800" dirty="0"/>
-            <a:t>Run Macros to clean up formatting inconsistencies</a:t>
+            <a:t>Run Macros to clean up formatting</a:t>
           </a:r>
         </a:p>
       </dgm:t>
@@ -2717,7 +3147,7 @@
           </a:pPr>
           <a:r>
             <a:rPr lang="en-US" sz="1800" kern="1200" dirty="0"/>
-            <a:t>Use Acrobat Pro to convert scanned images to text, if needed</a:t>
+            <a:t>Run OCR in Acrobat Pro, if needed</a:t>
           </a:r>
         </a:p>
       </dsp:txBody>
@@ -3145,7 +3575,7 @@
           </a:pPr>
           <a:r>
             <a:rPr lang="en-US" sz="1800" kern="1200" dirty="0"/>
-            <a:t>Run Macros to clean up formatting inconsistencies</a:t>
+            <a:t>Run Macros to clean up formatting</a:t>
           </a:r>
         </a:p>
       </dsp:txBody>
@@ -4579,7 +5009,7 @@
           <a:p>
             <a:fld id="{BBB3F45B-32CC-4EF6-901D-875D1B901CCF}" type="datetimeFigureOut">
               <a:rPr lang="en-US" smtClean="0"/>
-              <a:t>3/15/2024</a:t>
+              <a:t>3/16/2024</a:t>
             </a:fld>
             <a:endParaRPr lang="en-US"/>
           </a:p>
@@ -4749,7 +5179,7 @@
           <a:p>
             <a:fld id="{BBB3F45B-32CC-4EF6-901D-875D1B901CCF}" type="datetimeFigureOut">
               <a:rPr lang="en-US" smtClean="0"/>
-              <a:t>3/15/2024</a:t>
+              <a:t>3/16/2024</a:t>
             </a:fld>
             <a:endParaRPr lang="en-US"/>
           </a:p>
@@ -4929,7 +5359,7 @@
           <a:p>
             <a:fld id="{BBB3F45B-32CC-4EF6-901D-875D1B901CCF}" type="datetimeFigureOut">
               <a:rPr lang="en-US" smtClean="0"/>
-              <a:t>3/15/2024</a:t>
+              <a:t>3/16/2024</a:t>
             </a:fld>
             <a:endParaRPr lang="en-US"/>
           </a:p>
@@ -5099,7 +5529,7 @@
           <a:p>
             <a:fld id="{BBB3F45B-32CC-4EF6-901D-875D1B901CCF}" type="datetimeFigureOut">
               <a:rPr lang="en-US" smtClean="0"/>
-              <a:t>3/15/2024</a:t>
+              <a:t>3/16/2024</a:t>
             </a:fld>
             <a:endParaRPr lang="en-US"/>
           </a:p>
@@ -5357,7 +5787,7 @@
           <a:p>
             <a:fld id="{BBB3F45B-32CC-4EF6-901D-875D1B901CCF}" type="datetimeFigureOut">
               <a:rPr lang="en-US" smtClean="0"/>
-              <a:t>3/15/2024</a:t>
+              <a:t>3/16/2024</a:t>
             </a:fld>
             <a:endParaRPr lang="en-US"/>
           </a:p>
@@ -5645,7 +6075,7 @@
           <a:p>
             <a:fld id="{BBB3F45B-32CC-4EF6-901D-875D1B901CCF}" type="datetimeFigureOut">
               <a:rPr lang="en-US" smtClean="0"/>
-              <a:t>3/15/2024</a:t>
+              <a:t>3/16/2024</a:t>
             </a:fld>
             <a:endParaRPr lang="en-US"/>
           </a:p>
@@ -6087,7 +6517,7 @@
           <a:p>
             <a:fld id="{BBB3F45B-32CC-4EF6-901D-875D1B901CCF}" type="datetimeFigureOut">
               <a:rPr lang="en-US" smtClean="0"/>
-              <a:t>3/15/2024</a:t>
+              <a:t>3/16/2024</a:t>
             </a:fld>
             <a:endParaRPr lang="en-US"/>
           </a:p>
@@ -6205,7 +6635,7 @@
           <a:p>
             <a:fld id="{BBB3F45B-32CC-4EF6-901D-875D1B901CCF}" type="datetimeFigureOut">
               <a:rPr lang="en-US" smtClean="0"/>
-              <a:t>3/15/2024</a:t>
+              <a:t>3/16/2024</a:t>
             </a:fld>
             <a:endParaRPr lang="en-US"/>
           </a:p>
@@ -6300,7 +6730,7 @@
           <a:p>
             <a:fld id="{BBB3F45B-32CC-4EF6-901D-875D1B901CCF}" type="datetimeFigureOut">
               <a:rPr lang="en-US" smtClean="0"/>
-              <a:t>3/15/2024</a:t>
+              <a:t>3/16/2024</a:t>
             </a:fld>
             <a:endParaRPr lang="en-US"/>
           </a:p>
@@ -6588,7 +7018,7 @@
           <a:p>
             <a:fld id="{BBB3F45B-32CC-4EF6-901D-875D1B901CCF}" type="datetimeFigureOut">
               <a:rPr lang="en-US" smtClean="0"/>
-              <a:t>3/15/2024</a:t>
+              <a:t>3/16/2024</a:t>
             </a:fld>
             <a:endParaRPr lang="en-US"/>
           </a:p>
@@ -6862,7 +7292,7 @@
           <a:p>
             <a:fld id="{BBB3F45B-32CC-4EF6-901D-875D1B901CCF}" type="datetimeFigureOut">
               <a:rPr lang="en-US" smtClean="0"/>
-              <a:t>3/15/2024</a:t>
+              <a:t>3/16/2024</a:t>
             </a:fld>
             <a:endParaRPr lang="en-US"/>
           </a:p>
@@ -7161,7 +7591,7 @@
           <a:p>
             <a:fld id="{BBB3F45B-32CC-4EF6-901D-875D1B901CCF}" type="datetimeFigureOut">
               <a:rPr lang="en-US" smtClean="0"/>
-              <a:t>3/15/2024</a:t>
+              <a:t>3/16/2024</a:t>
             </a:fld>
             <a:endParaRPr lang="en-US"/>
           </a:p>
@@ -8409,7 +8839,7 @@
           <p:nvPr>
             <p:extLst>
               <p:ext uri="{D42A27DB-BD31-4B8C-83A1-F6EECF244321}">
-                <p14:modId xmlns:p14="http://schemas.microsoft.com/office/powerpoint/2010/main" val="2746537266"/>
+                <p14:modId xmlns:p14="http://schemas.microsoft.com/office/powerpoint/2010/main" val="1625829878"/>
               </p:ext>
             </p:extLst>
           </p:nvPr>
@@ -8644,9 +9074,23 @@
 <file path=ppt/slides/slide11.xml><?xml version="1.0" encoding="utf-8"?>
 <p:sld xmlns:a="http://schemas.openxmlformats.org/drawingml/2006/main" xmlns:r="http://schemas.openxmlformats.org/officeDocument/2006/relationships" xmlns:p="http://schemas.openxmlformats.org/presentationml/2006/main">
   <p:cSld>
+    <p:bg>
+      <p:bgPr>
+        <a:solidFill>
+          <a:schemeClr val="bg2"/>
+        </a:solidFill>
+        <a:effectLst/>
+      </p:bgPr>
+    </p:bg>
     <p:spTree>
       <p:nvGrpSpPr>
-        <p:cNvPr id="1" name=""/>
+        <p:cNvPr id="1" name="">
+          <a:extLst>
+            <a:ext uri="{FF2B5EF4-FFF2-40B4-BE49-F238E27FC236}">
+              <a16:creationId xmlns:a16="http://schemas.microsoft.com/office/drawing/2014/main" id="{DA79D1BB-AB9F-2C19-3369-33B7E5AAE903}"/>
+            </a:ext>
+          </a:extLst>
+        </p:cNvPr>
         <p:cNvGrpSpPr/>
         <p:nvPr/>
       </p:nvGrpSpPr>
@@ -8663,7 +9107,7 @@
           <p:cNvPr id="2" name="Title 1">
             <a:extLst>
               <a:ext uri="{FF2B5EF4-FFF2-40B4-BE49-F238E27FC236}">
-                <a16:creationId xmlns:a16="http://schemas.microsoft.com/office/drawing/2014/main" id="{69ABBA12-4B0D-B650-94A6-BC8D5E121F50}"/>
+                <a16:creationId xmlns:a16="http://schemas.microsoft.com/office/drawing/2014/main" id="{DB94146B-0B5D-3D38-CC45-8612C4E19933}"/>
               </a:ext>
             </a:extLst>
           </p:cNvPr>
@@ -8674,24 +9118,44 @@
             <p:ph type="title"/>
           </p:nvPr>
         </p:nvSpPr>
-        <p:spPr/>
-        <p:txBody>
-          <a:bodyPr/>
+        <p:spPr>
+          <a:xfrm>
+            <a:off x="252919" y="1123837"/>
+            <a:ext cx="2947482" cy="4601183"/>
+          </a:xfrm>
+        </p:spPr>
+        <p:txBody>
+          <a:bodyPr anchor="t">
+            <a:normAutofit/>
+          </a:bodyPr>
           <a:lstStyle/>
           <a:p>
             <a:r>
-              <a:rPr lang="en-US" dirty="0"/>
-              <a:t>Data Prep and Validation</a:t>
+              <a:rPr lang="en-US" dirty="0">
+                <a:latin typeface="Aptos" panose="020B0004020202020204" pitchFamily="34" charset="0"/>
+              </a:rPr>
+              <a:t>Legislative Activity Data Cleanup Macro</a:t>
+            </a:r>
+            <a:br>
+              <a:rPr lang="en-US" dirty="0">
+                <a:latin typeface="Aptos" panose="020B0004020202020204" pitchFamily="34" charset="0"/>
+              </a:rPr>
+            </a:br>
+            <a:r>
+              <a:rPr lang="en-US" dirty="0">
+                <a:latin typeface="Aptos" panose="020B0004020202020204" pitchFamily="34" charset="0"/>
+              </a:rPr>
+              <a:t> </a:t>
             </a:r>
           </a:p>
         </p:txBody>
       </p:sp>
       <p:sp>
         <p:nvSpPr>
-          <p:cNvPr id="3" name="Text Placeholder 2">
+          <p:cNvPr id="5" name="Content Placeholder 4">
             <a:extLst>
               <a:ext uri="{FF2B5EF4-FFF2-40B4-BE49-F238E27FC236}">
-                <a16:creationId xmlns:a16="http://schemas.microsoft.com/office/drawing/2014/main" id="{FF27BEA7-1D05-C419-1F52-537F46EBD5A2}"/>
+                <a16:creationId xmlns:a16="http://schemas.microsoft.com/office/drawing/2014/main" id="{45305FB5-682A-D7E4-CCAD-6DAD75EEBC94}"/>
               </a:ext>
             </a:extLst>
           </p:cNvPr>
@@ -8699,25 +9163,122 @@
             <a:spLocks noGrp="1"/>
           </p:cNvSpPr>
           <p:nvPr>
-            <p:ph type="body" idx="1"/>
+            <p:ph idx="1"/>
           </p:nvPr>
         </p:nvSpPr>
         <p:spPr/>
         <p:txBody>
-          <a:bodyPr/>
+          <a:bodyPr>
+            <a:normAutofit/>
+          </a:bodyPr>
           <a:lstStyle/>
           <a:p>
-            <a:r>
-              <a:rPr lang="en-US" dirty="0"/>
-              <a:t>Project Objective #3</a:t>
-            </a:r>
+            <a:pPr marL="0" lvl="0" indent="0">
+              <a:buNone/>
+            </a:pPr>
+            <a:r>
+              <a:rPr lang="en-US" sz="2400" b="1" dirty="0"/>
+              <a:t>Scope</a:t>
+            </a:r>
+            <a:r>
+              <a:rPr lang="en-US" sz="2400" dirty="0"/>
+              <a:t>:</a:t>
+            </a:r>
+          </a:p>
+          <a:p>
+            <a:pPr lvl="0">
+              <a:buFont typeface="Wingdings" panose="05000000000000000000" pitchFamily="2" charset="2"/>
+              <a:buChar char="§"/>
+            </a:pPr>
+            <a:r>
+              <a:rPr lang="en-US" sz="2400" dirty="0"/>
+              <a:t>Combine headings that have been split across multiple columns and/or rows</a:t>
+            </a:r>
+          </a:p>
+          <a:p>
+            <a:pPr lvl="0">
+              <a:buFont typeface="Wingdings" panose="05000000000000000000" pitchFamily="2" charset="2"/>
+              <a:buChar char="§"/>
+            </a:pPr>
+            <a:r>
+              <a:rPr lang="en-US" sz="2400"/>
+              <a:t>Remove </a:t>
+            </a:r>
+            <a:r>
+              <a:rPr lang="en-US" sz="2400" dirty="0"/>
+              <a:t>special characters from numeric columns</a:t>
+            </a:r>
+          </a:p>
+          <a:p>
+            <a:pPr lvl="0">
+              <a:buFont typeface="Wingdings" panose="05000000000000000000" pitchFamily="2" charset="2"/>
+              <a:buChar char="§"/>
+            </a:pPr>
+            <a:r>
+              <a:rPr lang="en-US" sz="2400" dirty="0"/>
+              <a:t>Add data to indicate the Congress, Session, Start Date, and End Date</a:t>
+            </a:r>
+          </a:p>
+          <a:p>
+            <a:pPr lvl="0">
+              <a:buFont typeface="Wingdings" panose="05000000000000000000" pitchFamily="2" charset="2"/>
+              <a:buChar char="§"/>
+            </a:pPr>
+            <a:r>
+              <a:rPr lang="en-US" sz="2400" dirty="0"/>
+              <a:t>Resize columns and align text</a:t>
+            </a:r>
+          </a:p>
+          <a:p>
+            <a:pPr marL="0" lvl="0" indent="0">
+              <a:buNone/>
+            </a:pPr>
+            <a:endParaRPr lang="en-US" sz="2400" i="1" dirty="0"/>
+          </a:p>
+        </p:txBody>
+      </p:sp>
+      <p:sp>
+        <p:nvSpPr>
+          <p:cNvPr id="7" name="TextBox 6">
+            <a:extLst>
+              <a:ext uri="{FF2B5EF4-FFF2-40B4-BE49-F238E27FC236}">
+                <a16:creationId xmlns:a16="http://schemas.microsoft.com/office/drawing/2014/main" id="{CDE9DF76-42B4-F70B-317D-853981A487D9}"/>
+              </a:ext>
+            </a:extLst>
+          </p:cNvPr>
+          <p:cNvSpPr txBox="1"/>
+          <p:nvPr/>
+        </p:nvSpPr>
+        <p:spPr>
+          <a:xfrm>
+            <a:off x="252919" y="4230422"/>
+            <a:ext cx="2947482" cy="1754326"/>
+          </a:xfrm>
+          <a:prstGeom prst="rect">
+            <a:avLst/>
+          </a:prstGeom>
+          <a:noFill/>
+        </p:spPr>
+        <p:txBody>
+          <a:bodyPr wrap="square" rtlCol="0">
+            <a:spAutoFit/>
+          </a:bodyPr>
+          <a:lstStyle/>
+          <a:p>
+            <a:r>
+              <a:rPr lang="en-US" sz="1800" dirty="0"/>
+              <a:t>This macro is not designed to cover every situation, but to automate the most frequent formatting issues in the tabula conversion to CSV.</a:t>
+            </a:r>
+          </a:p>
+          <a:p>
+            <a:endParaRPr lang="en-US" dirty="0"/>
           </a:p>
         </p:txBody>
       </p:sp>
     </p:spTree>
     <p:extLst>
       <p:ext uri="{BB962C8B-B14F-4D97-AF65-F5344CB8AC3E}">
-        <p14:creationId xmlns:p14="http://schemas.microsoft.com/office/powerpoint/2010/main" val="2001653295"/>
+        <p14:creationId xmlns:p14="http://schemas.microsoft.com/office/powerpoint/2010/main" val="1354533564"/>
       </p:ext>
     </p:extLst>
   </p:cSld>
@@ -8728,6 +9289,239 @@
 </file>
 
 <file path=ppt/slides/slide12.xml><?xml version="1.0" encoding="utf-8"?>
+<p:sld xmlns:a="http://schemas.openxmlformats.org/drawingml/2006/main" xmlns:r="http://schemas.openxmlformats.org/officeDocument/2006/relationships" xmlns:p="http://schemas.openxmlformats.org/presentationml/2006/main">
+  <p:cSld>
+    <p:bg>
+      <p:bgPr>
+        <a:solidFill>
+          <a:schemeClr val="bg2"/>
+        </a:solidFill>
+        <a:effectLst/>
+      </p:bgPr>
+    </p:bg>
+    <p:spTree>
+      <p:nvGrpSpPr>
+        <p:cNvPr id="1" name="">
+          <a:extLst>
+            <a:ext uri="{FF2B5EF4-FFF2-40B4-BE49-F238E27FC236}">
+              <a16:creationId xmlns:a16="http://schemas.microsoft.com/office/drawing/2014/main" id="{DA79D1BB-AB9F-2C19-3369-33B7E5AAE903}"/>
+            </a:ext>
+          </a:extLst>
+        </p:cNvPr>
+        <p:cNvGrpSpPr/>
+        <p:nvPr/>
+      </p:nvGrpSpPr>
+      <p:grpSpPr>
+        <a:xfrm>
+          <a:off x="0" y="0"/>
+          <a:ext cx="0" cy="0"/>
+          <a:chOff x="0" y="0"/>
+          <a:chExt cx="0" cy="0"/>
+        </a:xfrm>
+      </p:grpSpPr>
+      <p:sp>
+        <p:nvSpPr>
+          <p:cNvPr id="2" name="Title 1">
+            <a:extLst>
+              <a:ext uri="{FF2B5EF4-FFF2-40B4-BE49-F238E27FC236}">
+                <a16:creationId xmlns:a16="http://schemas.microsoft.com/office/drawing/2014/main" id="{DB94146B-0B5D-3D38-CC45-8612C4E19933}"/>
+              </a:ext>
+            </a:extLst>
+          </p:cNvPr>
+          <p:cNvSpPr>
+            <a:spLocks noGrp="1"/>
+          </p:cNvSpPr>
+          <p:nvPr>
+            <p:ph type="title"/>
+          </p:nvPr>
+        </p:nvSpPr>
+        <p:spPr>
+          <a:xfrm>
+            <a:off x="252919" y="1123837"/>
+            <a:ext cx="2947482" cy="4601183"/>
+          </a:xfrm>
+        </p:spPr>
+        <p:txBody>
+          <a:bodyPr anchor="t">
+            <a:normAutofit/>
+          </a:bodyPr>
+          <a:lstStyle/>
+          <a:p>
+            <a:r>
+              <a:rPr lang="en-US" dirty="0">
+                <a:latin typeface="Aptos" panose="020B0004020202020204" pitchFamily="34" charset="0"/>
+              </a:rPr>
+              <a:t>Confirmation Data Cleanup Macro</a:t>
+            </a:r>
+            <a:br>
+              <a:rPr lang="en-US" dirty="0">
+                <a:latin typeface="Aptos" panose="020B0004020202020204" pitchFamily="34" charset="0"/>
+              </a:rPr>
+            </a:br>
+            <a:r>
+              <a:rPr lang="en-US" dirty="0">
+                <a:latin typeface="Aptos" panose="020B0004020202020204" pitchFamily="34" charset="0"/>
+              </a:rPr>
+              <a:t> </a:t>
+            </a:r>
+          </a:p>
+        </p:txBody>
+      </p:sp>
+      <p:sp>
+        <p:nvSpPr>
+          <p:cNvPr id="5" name="Content Placeholder 4">
+            <a:extLst>
+              <a:ext uri="{FF2B5EF4-FFF2-40B4-BE49-F238E27FC236}">
+                <a16:creationId xmlns:a16="http://schemas.microsoft.com/office/drawing/2014/main" id="{45305FB5-682A-D7E4-CCAD-6DAD75EEBC94}"/>
+              </a:ext>
+            </a:extLst>
+          </p:cNvPr>
+          <p:cNvSpPr>
+            <a:spLocks noGrp="1"/>
+          </p:cNvSpPr>
+          <p:nvPr>
+            <p:ph idx="1"/>
+          </p:nvPr>
+        </p:nvSpPr>
+        <p:spPr/>
+        <p:txBody>
+          <a:bodyPr>
+            <a:normAutofit/>
+          </a:bodyPr>
+          <a:lstStyle/>
+          <a:p>
+            <a:pPr marL="0" lvl="0" indent="0">
+              <a:buNone/>
+            </a:pPr>
+            <a:r>
+              <a:rPr lang="en-US" sz="2400" b="1" dirty="0"/>
+              <a:t>Scope</a:t>
+            </a:r>
+            <a:r>
+              <a:rPr lang="en-US" sz="2400" dirty="0"/>
+              <a:t>:</a:t>
+            </a:r>
+          </a:p>
+          <a:p>
+            <a:pPr lvl="0">
+              <a:buFont typeface="Wingdings" panose="05000000000000000000" pitchFamily="2" charset="2"/>
+              <a:buChar char="§"/>
+            </a:pPr>
+            <a:r>
+              <a:rPr lang="en-US" sz="2400" dirty="0"/>
+              <a:t>Delete empty cells</a:t>
+            </a:r>
+          </a:p>
+          <a:p>
+            <a:pPr lvl="0">
+              <a:buFont typeface="Wingdings" panose="05000000000000000000" pitchFamily="2" charset="2"/>
+              <a:buChar char="§"/>
+            </a:pPr>
+            <a:r>
+              <a:rPr lang="en-US" sz="2400" dirty="0"/>
+              <a:t>Combine headings that have been split across multiple columns and/or rows</a:t>
+            </a:r>
+          </a:p>
+          <a:p>
+            <a:pPr lvl="0">
+              <a:buFont typeface="Wingdings" panose="05000000000000000000" pitchFamily="2" charset="2"/>
+              <a:buChar char="§"/>
+            </a:pPr>
+            <a:r>
+              <a:rPr lang="en-US" sz="2400" dirty="0"/>
+              <a:t>Extract values that have been embedded into section headings</a:t>
+            </a:r>
+          </a:p>
+          <a:p>
+            <a:pPr lvl="0">
+              <a:buFont typeface="Wingdings" panose="05000000000000000000" pitchFamily="2" charset="2"/>
+              <a:buChar char="§"/>
+            </a:pPr>
+            <a:r>
+              <a:rPr lang="en-US" sz="2400" dirty="0"/>
+              <a:t>Remove trailing and leading periods</a:t>
+            </a:r>
+          </a:p>
+          <a:p>
+            <a:pPr lvl="0">
+              <a:buFont typeface="Wingdings" panose="05000000000000000000" pitchFamily="2" charset="2"/>
+              <a:buChar char="§"/>
+            </a:pPr>
+            <a:r>
+              <a:rPr lang="en-US" sz="2400" dirty="0"/>
+              <a:t>Add data to indicate the Congress, Session, Start Date, and End Date</a:t>
+            </a:r>
+          </a:p>
+          <a:p>
+            <a:pPr lvl="0">
+              <a:buFont typeface="Wingdings" panose="05000000000000000000" pitchFamily="2" charset="2"/>
+              <a:buChar char="§"/>
+            </a:pPr>
+            <a:r>
+              <a:rPr lang="en-US" sz="2400" dirty="0"/>
+              <a:t>Resize columns and align text</a:t>
+            </a:r>
+          </a:p>
+          <a:p>
+            <a:pPr marL="0" lvl="0" indent="0">
+              <a:buNone/>
+            </a:pPr>
+            <a:endParaRPr lang="en-US" sz="2400" i="1" dirty="0"/>
+          </a:p>
+        </p:txBody>
+      </p:sp>
+      <p:sp>
+        <p:nvSpPr>
+          <p:cNvPr id="7" name="TextBox 6">
+            <a:extLst>
+              <a:ext uri="{FF2B5EF4-FFF2-40B4-BE49-F238E27FC236}">
+                <a16:creationId xmlns:a16="http://schemas.microsoft.com/office/drawing/2014/main" id="{CDE9DF76-42B4-F70B-317D-853981A487D9}"/>
+              </a:ext>
+            </a:extLst>
+          </p:cNvPr>
+          <p:cNvSpPr txBox="1"/>
+          <p:nvPr/>
+        </p:nvSpPr>
+        <p:spPr>
+          <a:xfrm>
+            <a:off x="252919" y="4230422"/>
+            <a:ext cx="2947482" cy="1754326"/>
+          </a:xfrm>
+          <a:prstGeom prst="rect">
+            <a:avLst/>
+          </a:prstGeom>
+          <a:noFill/>
+        </p:spPr>
+        <p:txBody>
+          <a:bodyPr wrap="square" rtlCol="0">
+            <a:spAutoFit/>
+          </a:bodyPr>
+          <a:lstStyle/>
+          <a:p>
+            <a:r>
+              <a:rPr lang="en-US" sz="1800" dirty="0"/>
+              <a:t>This macro is not designed to cover every situation, but to automate the most frequent formatting issues in the tabula conversion to CSV.</a:t>
+            </a:r>
+          </a:p>
+          <a:p>
+            <a:endParaRPr lang="en-US" dirty="0"/>
+          </a:p>
+        </p:txBody>
+      </p:sp>
+    </p:spTree>
+    <p:extLst>
+      <p:ext uri="{BB962C8B-B14F-4D97-AF65-F5344CB8AC3E}">
+        <p14:creationId xmlns:p14="http://schemas.microsoft.com/office/powerpoint/2010/main" val="3806804202"/>
+      </p:ext>
+    </p:extLst>
+  </p:cSld>
+  <p:clrMapOvr>
+    <a:masterClrMapping/>
+  </p:clrMapOvr>
+</p:sld>
+</file>
+
+<file path=ppt/slides/slide13.xml><?xml version="1.0" encoding="utf-8"?>
 <p:sld xmlns:a="http://schemas.openxmlformats.org/drawingml/2006/main" xmlns:r="http://schemas.openxmlformats.org/officeDocument/2006/relationships" xmlns:p="http://schemas.openxmlformats.org/presentationml/2006/main">
   <p:cSld>
     <p:spTree>
@@ -8749,7 +9543,7 @@
           <p:cNvPr id="2" name="Title 1">
             <a:extLst>
               <a:ext uri="{FF2B5EF4-FFF2-40B4-BE49-F238E27FC236}">
-                <a16:creationId xmlns:a16="http://schemas.microsoft.com/office/drawing/2014/main" id="{EB69D630-CC53-AC39-C219-EEDE326603ED}"/>
+                <a16:creationId xmlns:a16="http://schemas.microsoft.com/office/drawing/2014/main" id="{69ABBA12-4B0D-B650-94A6-BC8D5E121F50}"/>
               </a:ext>
             </a:extLst>
           </p:cNvPr>
@@ -8760,19 +9554,14 @@
             <p:ph type="title"/>
           </p:nvPr>
         </p:nvSpPr>
-        <p:spPr>
-          <a:xfrm>
-            <a:off x="3867912" y="1298448"/>
-            <a:ext cx="7315200" cy="2612071"/>
-          </a:xfrm>
-        </p:spPr>
+        <p:spPr/>
         <p:txBody>
           <a:bodyPr/>
           <a:lstStyle/>
           <a:p>
             <a:r>
               <a:rPr lang="en-US" dirty="0"/>
-              <a:t>Thank You</a:t>
+              <a:t>Data Prep and Validation</a:t>
             </a:r>
           </a:p>
         </p:txBody>
@@ -8782,7 +9571,7 @@
           <p:cNvPr id="3" name="Text Placeholder 2">
             <a:extLst>
               <a:ext uri="{FF2B5EF4-FFF2-40B4-BE49-F238E27FC236}">
-                <a16:creationId xmlns:a16="http://schemas.microsoft.com/office/drawing/2014/main" id="{991DC5A8-BA06-B755-0EBE-7A31325CC42B}"/>
+                <a16:creationId xmlns:a16="http://schemas.microsoft.com/office/drawing/2014/main" id="{FF27BEA7-1D05-C419-1F52-537F46EBD5A2}"/>
               </a:ext>
             </a:extLst>
           </p:cNvPr>
@@ -8793,60 +9582,22 @@
             <p:ph type="body" idx="1"/>
           </p:nvPr>
         </p:nvSpPr>
-        <p:spPr>
-          <a:xfrm>
-            <a:off x="3886200" y="4182894"/>
-            <a:ext cx="7315200" cy="1404090"/>
-          </a:xfrm>
-        </p:spPr>
-        <p:txBody>
-          <a:bodyPr>
-            <a:normAutofit/>
-          </a:bodyPr>
+        <p:spPr/>
+        <p:txBody>
+          <a:bodyPr/>
           <a:lstStyle/>
           <a:p>
             <a:r>
-              <a:rPr lang="en-US" dirty="0">
-                <a:solidFill>
-                  <a:schemeClr val="tx1"/>
-                </a:solidFill>
-              </a:rPr>
-              <a:t>Tami McManus</a:t>
-            </a:r>
-          </a:p>
-          <a:p>
-            <a:r>
-              <a:rPr lang="en-US" sz="2000" b="0" dirty="0">
-                <a:hlinkClick r:id="rId2"/>
-              </a:rPr>
-              <a:t>https://github.com/tamimcm416/congressional_activity</a:t>
-            </a:r>
-            <a:r>
-              <a:rPr lang="en-US" sz="2000" b="0" dirty="0"/>
-              <a:t> </a:t>
-            </a:r>
-          </a:p>
-          <a:p>
-            <a:r>
-              <a:rPr lang="en-US" sz="2000" b="0" dirty="0">
-                <a:hlinkClick r:id="rId3"/>
-              </a:rPr>
-              <a:t>https://www.linkedin.com/in/tami-mcmanus/</a:t>
-            </a:r>
-            <a:r>
-              <a:rPr lang="en-US" sz="2000" b="0" dirty="0"/>
-              <a:t> </a:t>
-            </a:r>
-          </a:p>
-          <a:p>
-            <a:endParaRPr lang="en-US" dirty="0"/>
+              <a:rPr lang="en-US" dirty="0"/>
+              <a:t>Project Objective #3</a:t>
+            </a:r>
           </a:p>
         </p:txBody>
       </p:sp>
     </p:spTree>
     <p:extLst>
       <p:ext uri="{BB962C8B-B14F-4D97-AF65-F5344CB8AC3E}">
-        <p14:creationId xmlns:p14="http://schemas.microsoft.com/office/powerpoint/2010/main" val="116276241"/>
+        <p14:creationId xmlns:p14="http://schemas.microsoft.com/office/powerpoint/2010/main" val="2001653295"/>
       </p:ext>
     </p:extLst>
   </p:cSld>
@@ -8856,7 +9607,7 @@
 </p:sld>
 </file>
 
-<file path=ppt/slides/slide13.xml><?xml version="1.0" encoding="utf-8"?>
+<file path=ppt/slides/slide14.xml><?xml version="1.0" encoding="utf-8"?>
 <p:sld xmlns:a="http://schemas.openxmlformats.org/drawingml/2006/main" xmlns:r="http://schemas.openxmlformats.org/officeDocument/2006/relationships" xmlns:p="http://schemas.openxmlformats.org/presentationml/2006/main">
   <p:cSld>
     <p:bg>
@@ -8872,7 +9623,7 @@
         <p:cNvPr id="1" name="">
           <a:extLst>
             <a:ext uri="{FF2B5EF4-FFF2-40B4-BE49-F238E27FC236}">
-              <a16:creationId xmlns:a16="http://schemas.microsoft.com/office/drawing/2014/main" id="{FA2F3134-6AB4-D73B-B3F5-EBB024B49FFB}"/>
+              <a16:creationId xmlns:a16="http://schemas.microsoft.com/office/drawing/2014/main" id="{DA79D1BB-AB9F-2C19-3369-33B7E5AAE903}"/>
             </a:ext>
           </a:extLst>
         </p:cNvPr>
@@ -9014,7 +9765,7 @@
           <p:cNvPr id="2" name="Title 1">
             <a:extLst>
               <a:ext uri="{FF2B5EF4-FFF2-40B4-BE49-F238E27FC236}">
-                <a16:creationId xmlns:a16="http://schemas.microsoft.com/office/drawing/2014/main" id="{1521ADE4-0082-434B-7F0A-355CDCD493DD}"/>
+                <a16:creationId xmlns:a16="http://schemas.microsoft.com/office/drawing/2014/main" id="{DB94146B-0B5D-3D38-CC45-8612C4E19933}"/>
               </a:ext>
             </a:extLst>
           </p:cNvPr>
@@ -9038,10 +9789,10 @@
           <a:lstStyle/>
           <a:p>
             <a:r>
-              <a:rPr lang="en-US">
+              <a:rPr lang="en-US" sz="4800" dirty="0">
                 <a:latin typeface="Aptos" panose="020B0004020202020204" pitchFamily="34" charset="0"/>
               </a:rPr>
-              <a:t>Appendix A – Source Data</a:t>
+              <a:t>Data Preparation</a:t>
             </a:r>
           </a:p>
         </p:txBody>
@@ -9245,7 +9996,7 @@
           <p:cNvPr id="3" name="Content Placeholder 2">
             <a:extLst>
               <a:ext uri="{FF2B5EF4-FFF2-40B4-BE49-F238E27FC236}">
-                <a16:creationId xmlns:a16="http://schemas.microsoft.com/office/drawing/2014/main" id="{4E69F7DE-FC31-DBEF-A52A-D52484C51FB3}"/>
+                <a16:creationId xmlns:a16="http://schemas.microsoft.com/office/drawing/2014/main" id="{A92E0EC7-2385-EC35-313E-58A5E41C0571}"/>
               </a:ext>
             </a:extLst>
           </p:cNvPr>
@@ -9258,17 +10009,20 @@
         </p:nvSpPr>
         <p:spPr>
           <a:xfrm>
-            <a:off x="1279018" y="2535446"/>
-            <a:ext cx="10578999" cy="3554457"/>
+            <a:off x="1600753" y="2535446"/>
+            <a:ext cx="8983489" cy="3554457"/>
           </a:xfrm>
         </p:spPr>
         <p:txBody>
-          <a:bodyPr anchor="t">
+          <a:bodyPr tIns="182880" anchor="t">
             <a:normAutofit/>
           </a:bodyPr>
           <a:lstStyle/>
           <a:p>
             <a:pPr marL="0" indent="0">
+              <a:lnSpc>
+                <a:spcPct val="100000"/>
+              </a:lnSpc>
               <a:buNone/>
             </a:pPr>
             <a:r>
@@ -9278,26 +10032,7 @@
                 </a:solidFill>
                 <a:latin typeface="Aptos" panose="020B0004020202020204" pitchFamily="34" charset="0"/>
               </a:rPr>
-              <a:t>“Resume of Congressional Activity (1947 to Present)”, United States Senate, [PDF], </a:t>
-            </a:r>
-            <a:r>
-              <a:rPr lang="en-US" dirty="0">
-                <a:solidFill>
-                  <a:schemeClr val="tx1"/>
-                </a:solidFill>
-                <a:latin typeface="Aptos" panose="020B0004020202020204" pitchFamily="34" charset="0"/>
-                <a:hlinkClick r:id="rId2"/>
-              </a:rPr>
-              <a:t>https://www.senate.gov/legislative/ResumesofCongressionalActivity1947present.htm</a:t>
-            </a:r>
-            <a:r>
-              <a:rPr lang="en-US" dirty="0">
-                <a:solidFill>
-                  <a:schemeClr val="tx1"/>
-                </a:solidFill>
-                <a:latin typeface="Aptos" panose="020B0004020202020204" pitchFamily="34" charset="0"/>
-              </a:rPr>
-              <a:t>. Accessed Nov 23, 2023.</a:t>
+              <a:t>Lorem ipsum</a:t>
             </a:r>
           </a:p>
         </p:txBody>
@@ -9305,7 +10040,7 @@
     </p:spTree>
     <p:extLst>
       <p:ext uri="{BB962C8B-B14F-4D97-AF65-F5344CB8AC3E}">
-        <p14:creationId xmlns:p14="http://schemas.microsoft.com/office/powerpoint/2010/main" val="2840120926"/>
+        <p14:creationId xmlns:p14="http://schemas.microsoft.com/office/powerpoint/2010/main" val="2209145333"/>
       </p:ext>
     </p:extLst>
   </p:cSld>
@@ -9315,7 +10050,7 @@
 </p:sld>
 </file>
 
-<file path=ppt/slides/slide14.xml><?xml version="1.0" encoding="utf-8"?>
+<file path=ppt/slides/slide15.xml><?xml version="1.0" encoding="utf-8"?>
 <p:sld xmlns:a="http://schemas.openxmlformats.org/drawingml/2006/main" xmlns:r="http://schemas.openxmlformats.org/officeDocument/2006/relationships" xmlns:p="http://schemas.openxmlformats.org/presentationml/2006/main">
   <p:cSld>
     <p:bg>
@@ -9331,7 +10066,7 @@
         <p:cNvPr id="1" name="">
           <a:extLst>
             <a:ext uri="{FF2B5EF4-FFF2-40B4-BE49-F238E27FC236}">
-              <a16:creationId xmlns:a16="http://schemas.microsoft.com/office/drawing/2014/main" id="{FA2F3134-6AB4-D73B-B3F5-EBB024B49FFB}"/>
+              <a16:creationId xmlns:a16="http://schemas.microsoft.com/office/drawing/2014/main" id="{DA79D1BB-AB9F-2C19-3369-33B7E5AAE903}"/>
             </a:ext>
           </a:extLst>
         </p:cNvPr>
@@ -9473,7 +10208,7 @@
           <p:cNvPr id="2" name="Title 1">
             <a:extLst>
               <a:ext uri="{FF2B5EF4-FFF2-40B4-BE49-F238E27FC236}">
-                <a16:creationId xmlns:a16="http://schemas.microsoft.com/office/drawing/2014/main" id="{1521ADE4-0082-434B-7F0A-355CDCD493DD}"/>
+                <a16:creationId xmlns:a16="http://schemas.microsoft.com/office/drawing/2014/main" id="{DB94146B-0B5D-3D38-CC45-8612C4E19933}"/>
               </a:ext>
             </a:extLst>
           </p:cNvPr>
@@ -9497,10 +10232,10 @@
           <a:lstStyle/>
           <a:p>
             <a:r>
-              <a:rPr lang="en-US" dirty="0">
+              <a:rPr lang="en-US" sz="4800" dirty="0">
                 <a:latin typeface="Aptos" panose="020B0004020202020204" pitchFamily="34" charset="0"/>
               </a:rPr>
-              <a:t>Appendix B – Tools Used</a:t>
+              <a:t>Data Validation</a:t>
             </a:r>
           </a:p>
         </p:txBody>
@@ -9704,6 +10439,1037 @@
           <p:cNvPr id="3" name="Content Placeholder 2">
             <a:extLst>
               <a:ext uri="{FF2B5EF4-FFF2-40B4-BE49-F238E27FC236}">
+                <a16:creationId xmlns:a16="http://schemas.microsoft.com/office/drawing/2014/main" id="{A92E0EC7-2385-EC35-313E-58A5E41C0571}"/>
+              </a:ext>
+            </a:extLst>
+          </p:cNvPr>
+          <p:cNvSpPr>
+            <a:spLocks noGrp="1"/>
+          </p:cNvSpPr>
+          <p:nvPr>
+            <p:ph idx="1"/>
+          </p:nvPr>
+        </p:nvSpPr>
+        <p:spPr>
+          <a:xfrm>
+            <a:off x="1600753" y="2535446"/>
+            <a:ext cx="8983489" cy="3554457"/>
+          </a:xfrm>
+        </p:spPr>
+        <p:txBody>
+          <a:bodyPr tIns="182880" anchor="t">
+            <a:normAutofit/>
+          </a:bodyPr>
+          <a:lstStyle/>
+          <a:p>
+            <a:pPr marL="0" indent="0">
+              <a:lnSpc>
+                <a:spcPct val="100000"/>
+              </a:lnSpc>
+              <a:buNone/>
+            </a:pPr>
+            <a:r>
+              <a:rPr lang="en-US" dirty="0">
+                <a:solidFill>
+                  <a:schemeClr val="tx1"/>
+                </a:solidFill>
+                <a:latin typeface="Aptos" panose="020B0004020202020204" pitchFamily="34" charset="0"/>
+              </a:rPr>
+              <a:t>Lorem ipsum</a:t>
+            </a:r>
+          </a:p>
+        </p:txBody>
+      </p:sp>
+    </p:spTree>
+    <p:extLst>
+      <p:ext uri="{BB962C8B-B14F-4D97-AF65-F5344CB8AC3E}">
+        <p14:creationId xmlns:p14="http://schemas.microsoft.com/office/powerpoint/2010/main" val="3237007141"/>
+      </p:ext>
+    </p:extLst>
+  </p:cSld>
+  <p:clrMapOvr>
+    <a:masterClrMapping/>
+  </p:clrMapOvr>
+</p:sld>
+</file>
+
+<file path=ppt/slides/slide16.xml><?xml version="1.0" encoding="utf-8"?>
+<p:sld xmlns:a="http://schemas.openxmlformats.org/drawingml/2006/main" xmlns:r="http://schemas.openxmlformats.org/officeDocument/2006/relationships" xmlns:p="http://schemas.openxmlformats.org/presentationml/2006/main">
+  <p:cSld>
+    <p:spTree>
+      <p:nvGrpSpPr>
+        <p:cNvPr id="1" name=""/>
+        <p:cNvGrpSpPr/>
+        <p:nvPr/>
+      </p:nvGrpSpPr>
+      <p:grpSpPr>
+        <a:xfrm>
+          <a:off x="0" y="0"/>
+          <a:ext cx="0" cy="0"/>
+          <a:chOff x="0" y="0"/>
+          <a:chExt cx="0" cy="0"/>
+        </a:xfrm>
+      </p:grpSpPr>
+      <p:sp>
+        <p:nvSpPr>
+          <p:cNvPr id="2" name="Title 1">
+            <a:extLst>
+              <a:ext uri="{FF2B5EF4-FFF2-40B4-BE49-F238E27FC236}">
+                <a16:creationId xmlns:a16="http://schemas.microsoft.com/office/drawing/2014/main" id="{EB69D630-CC53-AC39-C219-EEDE326603ED}"/>
+              </a:ext>
+            </a:extLst>
+          </p:cNvPr>
+          <p:cNvSpPr>
+            <a:spLocks noGrp="1"/>
+          </p:cNvSpPr>
+          <p:nvPr>
+            <p:ph type="title"/>
+          </p:nvPr>
+        </p:nvSpPr>
+        <p:spPr>
+          <a:xfrm>
+            <a:off x="3867912" y="1298448"/>
+            <a:ext cx="7315200" cy="2612071"/>
+          </a:xfrm>
+        </p:spPr>
+        <p:txBody>
+          <a:bodyPr/>
+          <a:lstStyle/>
+          <a:p>
+            <a:r>
+              <a:rPr lang="en-US" dirty="0"/>
+              <a:t>Thank You</a:t>
+            </a:r>
+          </a:p>
+        </p:txBody>
+      </p:sp>
+      <p:sp>
+        <p:nvSpPr>
+          <p:cNvPr id="3" name="Text Placeholder 2">
+            <a:extLst>
+              <a:ext uri="{FF2B5EF4-FFF2-40B4-BE49-F238E27FC236}">
+                <a16:creationId xmlns:a16="http://schemas.microsoft.com/office/drawing/2014/main" id="{991DC5A8-BA06-B755-0EBE-7A31325CC42B}"/>
+              </a:ext>
+            </a:extLst>
+          </p:cNvPr>
+          <p:cNvSpPr>
+            <a:spLocks noGrp="1"/>
+          </p:cNvSpPr>
+          <p:nvPr>
+            <p:ph type="body" idx="1"/>
+          </p:nvPr>
+        </p:nvSpPr>
+        <p:spPr>
+          <a:xfrm>
+            <a:off x="3886200" y="4182894"/>
+            <a:ext cx="7315200" cy="1404090"/>
+          </a:xfrm>
+        </p:spPr>
+        <p:txBody>
+          <a:bodyPr>
+            <a:normAutofit/>
+          </a:bodyPr>
+          <a:lstStyle/>
+          <a:p>
+            <a:r>
+              <a:rPr lang="en-US" dirty="0">
+                <a:solidFill>
+                  <a:schemeClr val="tx1"/>
+                </a:solidFill>
+              </a:rPr>
+              <a:t>Tami McManus</a:t>
+            </a:r>
+          </a:p>
+          <a:p>
+            <a:r>
+              <a:rPr lang="en-US" sz="2000" b="0" dirty="0">
+                <a:hlinkClick r:id="rId2"/>
+              </a:rPr>
+              <a:t>https://github.com/tamimcm416/congressional_activity</a:t>
+            </a:r>
+            <a:r>
+              <a:rPr lang="en-US" sz="2000" b="0" dirty="0"/>
+              <a:t> </a:t>
+            </a:r>
+          </a:p>
+          <a:p>
+            <a:r>
+              <a:rPr lang="en-US" sz="2000" b="0" dirty="0">
+                <a:hlinkClick r:id="rId3"/>
+              </a:rPr>
+              <a:t>https://www.linkedin.com/in/tami-mcmanus/</a:t>
+            </a:r>
+            <a:r>
+              <a:rPr lang="en-US" sz="2000" b="0" dirty="0"/>
+              <a:t> </a:t>
+            </a:r>
+          </a:p>
+          <a:p>
+            <a:endParaRPr lang="en-US" dirty="0"/>
+          </a:p>
+        </p:txBody>
+      </p:sp>
+    </p:spTree>
+    <p:extLst>
+      <p:ext uri="{BB962C8B-B14F-4D97-AF65-F5344CB8AC3E}">
+        <p14:creationId xmlns:p14="http://schemas.microsoft.com/office/powerpoint/2010/main" val="116276241"/>
+      </p:ext>
+    </p:extLst>
+  </p:cSld>
+  <p:clrMapOvr>
+    <a:masterClrMapping/>
+  </p:clrMapOvr>
+</p:sld>
+</file>
+
+<file path=ppt/slides/slide17.xml><?xml version="1.0" encoding="utf-8"?>
+<p:sld xmlns:a="http://schemas.openxmlformats.org/drawingml/2006/main" xmlns:r="http://schemas.openxmlformats.org/officeDocument/2006/relationships" xmlns:p="http://schemas.openxmlformats.org/presentationml/2006/main">
+  <p:cSld>
+    <p:bg>
+      <p:bgPr>
+        <a:solidFill>
+          <a:schemeClr val="bg1"/>
+        </a:solidFill>
+        <a:effectLst/>
+      </p:bgPr>
+    </p:bg>
+    <p:spTree>
+      <p:nvGrpSpPr>
+        <p:cNvPr id="1" name="">
+          <a:extLst>
+            <a:ext uri="{FF2B5EF4-FFF2-40B4-BE49-F238E27FC236}">
+              <a16:creationId xmlns:a16="http://schemas.microsoft.com/office/drawing/2014/main" id="{FA2F3134-6AB4-D73B-B3F5-EBB024B49FFB}"/>
+            </a:ext>
+          </a:extLst>
+        </p:cNvPr>
+        <p:cNvGrpSpPr/>
+        <p:nvPr/>
+      </p:nvGrpSpPr>
+      <p:grpSpPr>
+        <a:xfrm>
+          <a:off x="0" y="0"/>
+          <a:ext cx="0" cy="0"/>
+          <a:chOff x="0" y="0"/>
+          <a:chExt cx="0" cy="0"/>
+        </a:xfrm>
+      </p:grpSpPr>
+      <p:sp useBgFill="1">
+        <p:nvSpPr>
+          <p:cNvPr id="8" name="Rectangle 7">
+            <a:extLst>
+              <a:ext uri="{FF2B5EF4-FFF2-40B4-BE49-F238E27FC236}">
+                <a16:creationId xmlns:a16="http://schemas.microsoft.com/office/drawing/2014/main" id="{29DC5A77-10C9-4ECF-B7EB-8D917F36A9EE}"/>
+              </a:ext>
+              <a:ext uri="{C183D7F6-B498-43B3-948B-1728B52AA6E4}">
+                <adec:decorative xmlns:adec="http://schemas.microsoft.com/office/drawing/2017/decorative" val="1"/>
+              </a:ext>
+            </a:extLst>
+          </p:cNvPr>
+          <p:cNvSpPr>
+            <a:spLocks noGrp="1" noRot="1" noChangeAspect="1" noMove="1" noResize="1" noEditPoints="1" noAdjustHandles="1" noChangeArrowheads="1" noChangeShapeType="1" noTextEdit="1"/>
+          </p:cNvSpPr>
+          <p:nvPr>
+            <p:extLst>
+              <p:ext uri="{386F3935-93C4-4BCD-93E2-E3B085C9AB24}">
+                <p16:designElem xmlns:p16="http://schemas.microsoft.com/office/powerpoint/2015/main" val="1"/>
+              </p:ext>
+            </p:extLst>
+          </p:nvPr>
+        </p:nvSpPr>
+        <p:spPr>
+          <a:xfrm>
+            <a:off x="0" y="0"/>
+            <a:ext cx="12192000" cy="6858000"/>
+          </a:xfrm>
+          <a:prstGeom prst="rect">
+            <a:avLst/>
+          </a:prstGeom>
+          <a:ln>
+            <a:noFill/>
+          </a:ln>
+        </p:spPr>
+        <p:style>
+          <a:lnRef idx="2">
+            <a:schemeClr val="accent1">
+              <a:shade val="50000"/>
+            </a:schemeClr>
+          </a:lnRef>
+          <a:fillRef idx="1">
+            <a:schemeClr val="accent1"/>
+          </a:fillRef>
+          <a:effectRef idx="0">
+            <a:schemeClr val="accent1"/>
+          </a:effectRef>
+          <a:fontRef idx="minor">
+            <a:schemeClr val="lt1"/>
+          </a:fontRef>
+        </p:style>
+        <p:txBody>
+          <a:bodyPr rtlCol="0" anchor="ctr"/>
+          <a:lstStyle/>
+          <a:p>
+            <a:pPr algn="ctr"/>
+            <a:endParaRPr lang="en-US"/>
+          </a:p>
+        </p:txBody>
+      </p:sp>
+      <p:sp>
+        <p:nvSpPr>
+          <p:cNvPr id="10" name="Rectangle 9">
+            <a:extLst>
+              <a:ext uri="{FF2B5EF4-FFF2-40B4-BE49-F238E27FC236}">
+                <a16:creationId xmlns:a16="http://schemas.microsoft.com/office/drawing/2014/main" id="{2FFE28B5-FB16-49A9-B851-3C35FAC0CACB}"/>
+              </a:ext>
+              <a:ext uri="{C183D7F6-B498-43B3-948B-1728B52AA6E4}">
+                <adec:decorative xmlns:adec="http://schemas.microsoft.com/office/drawing/2017/decorative" val="1"/>
+              </a:ext>
+            </a:extLst>
+          </p:cNvPr>
+          <p:cNvSpPr>
+            <a:spLocks noGrp="1" noRot="1" noChangeAspect="1" noMove="1" noResize="1" noEditPoints="1" noAdjustHandles="1" noChangeArrowheads="1" noChangeShapeType="1" noTextEdit="1"/>
+          </p:cNvSpPr>
+          <p:nvPr>
+            <p:extLst>
+              <p:ext uri="{386F3935-93C4-4BCD-93E2-E3B085C9AB24}">
+                <p16:designElem xmlns:p16="http://schemas.microsoft.com/office/powerpoint/2015/main" val="1"/>
+              </p:ext>
+            </p:extLst>
+          </p:nvPr>
+        </p:nvSpPr>
+        <p:spPr>
+          <a:xfrm>
+            <a:off x="1" y="758952"/>
+            <a:ext cx="10905976" cy="1651133"/>
+          </a:xfrm>
+          <a:prstGeom prst="rect">
+            <a:avLst/>
+          </a:prstGeom>
+          <a:solidFill>
+            <a:schemeClr val="accent1"/>
+          </a:solidFill>
+          <a:ln>
+            <a:noFill/>
+          </a:ln>
+        </p:spPr>
+        <p:style>
+          <a:lnRef idx="2">
+            <a:schemeClr val="accent1">
+              <a:shade val="50000"/>
+            </a:schemeClr>
+          </a:lnRef>
+          <a:fillRef idx="1">
+            <a:schemeClr val="accent1"/>
+          </a:fillRef>
+          <a:effectRef idx="0">
+            <a:schemeClr val="accent1"/>
+          </a:effectRef>
+          <a:fontRef idx="minor">
+            <a:schemeClr val="lt1"/>
+          </a:fontRef>
+        </p:style>
+        <p:txBody>
+          <a:bodyPr/>
+          <a:lstStyle/>
+          <a:p>
+            <a:endParaRPr lang="en-US" dirty="0"/>
+          </a:p>
+        </p:txBody>
+      </p:sp>
+      <p:sp>
+        <p:nvSpPr>
+          <p:cNvPr id="2" name="Title 1">
+            <a:extLst>
+              <a:ext uri="{FF2B5EF4-FFF2-40B4-BE49-F238E27FC236}">
+                <a16:creationId xmlns:a16="http://schemas.microsoft.com/office/drawing/2014/main" id="{1521ADE4-0082-434B-7F0A-355CDCD493DD}"/>
+              </a:ext>
+            </a:extLst>
+          </p:cNvPr>
+          <p:cNvSpPr>
+            <a:spLocks noGrp="1"/>
+          </p:cNvSpPr>
+          <p:nvPr>
+            <p:ph type="title"/>
+          </p:nvPr>
+        </p:nvSpPr>
+        <p:spPr>
+          <a:xfrm>
+            <a:off x="1600754" y="1087374"/>
+            <a:ext cx="8983489" cy="1000978"/>
+          </a:xfrm>
+        </p:spPr>
+        <p:txBody>
+          <a:bodyPr>
+            <a:normAutofit/>
+          </a:bodyPr>
+          <a:lstStyle/>
+          <a:p>
+            <a:r>
+              <a:rPr lang="en-US">
+                <a:latin typeface="Aptos" panose="020B0004020202020204" pitchFamily="34" charset="0"/>
+              </a:rPr>
+              <a:t>Appendix A – Source Data</a:t>
+            </a:r>
+          </a:p>
+        </p:txBody>
+      </p:sp>
+      <p:sp>
+        <p:nvSpPr>
+          <p:cNvPr id="12" name="Rectangle 11">
+            <a:extLst>
+              <a:ext uri="{FF2B5EF4-FFF2-40B4-BE49-F238E27FC236}">
+                <a16:creationId xmlns:a16="http://schemas.microsoft.com/office/drawing/2014/main" id="{01014442-855A-4E0F-8D09-C314661A48B9}"/>
+              </a:ext>
+              <a:ext uri="{C183D7F6-B498-43B3-948B-1728B52AA6E4}">
+                <adec:decorative xmlns:adec="http://schemas.microsoft.com/office/drawing/2017/decorative" val="1"/>
+              </a:ext>
+            </a:extLst>
+          </p:cNvPr>
+          <p:cNvSpPr>
+            <a:spLocks noGrp="1" noRot="1" noChangeAspect="1" noMove="1" noResize="1" noEditPoints="1" noAdjustHandles="1" noChangeArrowheads="1" noChangeShapeType="1" noTextEdit="1"/>
+          </p:cNvSpPr>
+          <p:nvPr>
+            <p:extLst>
+              <p:ext uri="{386F3935-93C4-4BCD-93E2-E3B085C9AB24}">
+                <p16:designElem xmlns:p16="http://schemas.microsoft.com/office/powerpoint/2015/main" val="1"/>
+              </p:ext>
+            </p:extLst>
+          </p:nvPr>
+        </p:nvSpPr>
+        <p:spPr>
+          <a:xfrm>
+            <a:off x="11014533" y="758952"/>
+            <a:ext cx="1185379" cy="1651133"/>
+          </a:xfrm>
+          <a:prstGeom prst="rect">
+            <a:avLst/>
+          </a:prstGeom>
+          <a:solidFill>
+            <a:srgbClr val="C8C8C8">
+              <a:alpha val="49804"/>
+            </a:srgbClr>
+          </a:solidFill>
+          <a:ln>
+            <a:noFill/>
+          </a:ln>
+        </p:spPr>
+        <p:style>
+          <a:lnRef idx="2">
+            <a:schemeClr val="accent1">
+              <a:shade val="50000"/>
+            </a:schemeClr>
+          </a:lnRef>
+          <a:fillRef idx="1">
+            <a:schemeClr val="accent1"/>
+          </a:fillRef>
+          <a:effectRef idx="0">
+            <a:schemeClr val="accent1"/>
+          </a:effectRef>
+          <a:fontRef idx="minor">
+            <a:schemeClr val="lt1"/>
+          </a:fontRef>
+        </p:style>
+        <p:txBody>
+          <a:bodyPr/>
+          <a:lstStyle/>
+          <a:p>
+            <a:endParaRPr lang="en-US"/>
+          </a:p>
+        </p:txBody>
+      </p:sp>
+      <p:sp>
+        <p:nvSpPr>
+          <p:cNvPr id="14" name="Rectangle 13">
+            <a:extLst>
+              <a:ext uri="{FF2B5EF4-FFF2-40B4-BE49-F238E27FC236}">
+                <a16:creationId xmlns:a16="http://schemas.microsoft.com/office/drawing/2014/main" id="{9B1ABF09-86CF-414E-88A5-2B84CC7232A9}"/>
+              </a:ext>
+              <a:ext uri="{C183D7F6-B498-43B3-948B-1728B52AA6E4}">
+                <adec:decorative xmlns:adec="http://schemas.microsoft.com/office/drawing/2017/decorative" val="1"/>
+              </a:ext>
+            </a:extLst>
+          </p:cNvPr>
+          <p:cNvSpPr>
+            <a:spLocks noGrp="1" noRot="1" noChangeAspect="1" noMove="1" noResize="1" noEditPoints="1" noAdjustHandles="1" noChangeArrowheads="1" noChangeShapeType="1" noTextEdit="1"/>
+          </p:cNvSpPr>
+          <p:nvPr>
+            <p:extLst>
+              <p:ext uri="{386F3935-93C4-4BCD-93E2-E3B085C9AB24}">
+                <p16:designElem xmlns:p16="http://schemas.microsoft.com/office/powerpoint/2015/main" val="1"/>
+              </p:ext>
+            </p:extLst>
+          </p:nvPr>
+        </p:nvSpPr>
+        <p:spPr>
+          <a:xfrm>
+            <a:off x="763" y="2526526"/>
+            <a:ext cx="1169701" cy="3563378"/>
+          </a:xfrm>
+          <a:prstGeom prst="rect">
+            <a:avLst/>
+          </a:prstGeom>
+          <a:solidFill>
+            <a:srgbClr val="C8C8C8">
+              <a:alpha val="49804"/>
+            </a:srgbClr>
+          </a:solidFill>
+          <a:ln>
+            <a:noFill/>
+          </a:ln>
+        </p:spPr>
+        <p:style>
+          <a:lnRef idx="2">
+            <a:schemeClr val="accent1">
+              <a:shade val="50000"/>
+            </a:schemeClr>
+          </a:lnRef>
+          <a:fillRef idx="1">
+            <a:schemeClr val="accent1"/>
+          </a:fillRef>
+          <a:effectRef idx="0">
+            <a:schemeClr val="accent1"/>
+          </a:effectRef>
+          <a:fontRef idx="minor">
+            <a:schemeClr val="lt1"/>
+          </a:fontRef>
+        </p:style>
+        <p:txBody>
+          <a:bodyPr/>
+          <a:lstStyle/>
+          <a:p>
+            <a:endParaRPr lang="en-US"/>
+          </a:p>
+        </p:txBody>
+      </p:sp>
+      <p:sp>
+        <p:nvSpPr>
+          <p:cNvPr id="16" name="Rectangle 15">
+            <a:extLst>
+              <a:ext uri="{FF2B5EF4-FFF2-40B4-BE49-F238E27FC236}">
+                <a16:creationId xmlns:a16="http://schemas.microsoft.com/office/drawing/2014/main" id="{3FE91770-CDBB-4D24-94E5-AD484F36CE87}"/>
+              </a:ext>
+              <a:ext uri="{C183D7F6-B498-43B3-948B-1728B52AA6E4}">
+                <adec:decorative xmlns:adec="http://schemas.microsoft.com/office/drawing/2017/decorative" val="1"/>
+              </a:ext>
+            </a:extLst>
+          </p:cNvPr>
+          <p:cNvSpPr>
+            <a:spLocks noGrp="1" noRot="1" noChangeAspect="1" noMove="1" noResize="1" noEditPoints="1" noAdjustHandles="1" noChangeArrowheads="1" noChangeShapeType="1" noTextEdit="1"/>
+          </p:cNvSpPr>
+          <p:nvPr>
+            <p:extLst>
+              <p:ext uri="{386F3935-93C4-4BCD-93E2-E3B085C9AB24}">
+                <p16:designElem xmlns:p16="http://schemas.microsoft.com/office/powerpoint/2015/main" val="1"/>
+              </p:ext>
+            </p:extLst>
+          </p:nvPr>
+        </p:nvSpPr>
+        <p:spPr>
+          <a:xfrm>
+            <a:off x="1279019" y="2526526"/>
+            <a:ext cx="10920893" cy="3563377"/>
+          </a:xfrm>
+          <a:prstGeom prst="rect">
+            <a:avLst/>
+          </a:prstGeom>
+          <a:solidFill>
+            <a:schemeClr val="bg2">
+              <a:lumMod val="60000"/>
+              <a:lumOff val="40000"/>
+              <a:alpha val="60000"/>
+            </a:schemeClr>
+          </a:solidFill>
+          <a:ln>
+            <a:noFill/>
+          </a:ln>
+        </p:spPr>
+        <p:style>
+          <a:lnRef idx="2">
+            <a:schemeClr val="accent1">
+              <a:shade val="50000"/>
+            </a:schemeClr>
+          </a:lnRef>
+          <a:fillRef idx="1">
+            <a:schemeClr val="accent1"/>
+          </a:fillRef>
+          <a:effectRef idx="0">
+            <a:schemeClr val="accent1"/>
+          </a:effectRef>
+          <a:fontRef idx="minor">
+            <a:schemeClr val="lt1"/>
+          </a:fontRef>
+        </p:style>
+        <p:txBody>
+          <a:bodyPr/>
+          <a:lstStyle/>
+          <a:p>
+            <a:endParaRPr lang="en-US" dirty="0"/>
+          </a:p>
+        </p:txBody>
+      </p:sp>
+      <p:sp>
+        <p:nvSpPr>
+          <p:cNvPr id="3" name="Content Placeholder 2">
+            <a:extLst>
+              <a:ext uri="{FF2B5EF4-FFF2-40B4-BE49-F238E27FC236}">
+                <a16:creationId xmlns:a16="http://schemas.microsoft.com/office/drawing/2014/main" id="{4E69F7DE-FC31-DBEF-A52A-D52484C51FB3}"/>
+              </a:ext>
+            </a:extLst>
+          </p:cNvPr>
+          <p:cNvSpPr>
+            <a:spLocks noGrp="1"/>
+          </p:cNvSpPr>
+          <p:nvPr>
+            <p:ph idx="1"/>
+          </p:nvPr>
+        </p:nvSpPr>
+        <p:spPr>
+          <a:xfrm>
+            <a:off x="1279018" y="2535446"/>
+            <a:ext cx="10578999" cy="3554457"/>
+          </a:xfrm>
+        </p:spPr>
+        <p:txBody>
+          <a:bodyPr anchor="t">
+            <a:normAutofit/>
+          </a:bodyPr>
+          <a:lstStyle/>
+          <a:p>
+            <a:pPr marL="0" indent="0">
+              <a:buNone/>
+            </a:pPr>
+            <a:r>
+              <a:rPr lang="en-US" dirty="0">
+                <a:solidFill>
+                  <a:schemeClr val="tx1"/>
+                </a:solidFill>
+                <a:latin typeface="Aptos" panose="020B0004020202020204" pitchFamily="34" charset="0"/>
+              </a:rPr>
+              <a:t>“Resume of Congressional Activity (1947 to Present)”, United States Senate, [PDF], </a:t>
+            </a:r>
+            <a:r>
+              <a:rPr lang="en-US" dirty="0">
+                <a:solidFill>
+                  <a:schemeClr val="tx1"/>
+                </a:solidFill>
+                <a:latin typeface="Aptos" panose="020B0004020202020204" pitchFamily="34" charset="0"/>
+                <a:hlinkClick r:id="rId2"/>
+              </a:rPr>
+              <a:t>https://www.senate.gov/legislative/ResumesofCongressionalActivity1947present.htm</a:t>
+            </a:r>
+            <a:r>
+              <a:rPr lang="en-US" dirty="0">
+                <a:solidFill>
+                  <a:schemeClr val="tx1"/>
+                </a:solidFill>
+                <a:latin typeface="Aptos" panose="020B0004020202020204" pitchFamily="34" charset="0"/>
+              </a:rPr>
+              <a:t>. Accessed Nov 23, 2023.</a:t>
+            </a:r>
+          </a:p>
+        </p:txBody>
+      </p:sp>
+    </p:spTree>
+    <p:extLst>
+      <p:ext uri="{BB962C8B-B14F-4D97-AF65-F5344CB8AC3E}">
+        <p14:creationId xmlns:p14="http://schemas.microsoft.com/office/powerpoint/2010/main" val="2840120926"/>
+      </p:ext>
+    </p:extLst>
+  </p:cSld>
+  <p:clrMapOvr>
+    <a:masterClrMapping/>
+  </p:clrMapOvr>
+</p:sld>
+</file>
+
+<file path=ppt/slides/slide18.xml><?xml version="1.0" encoding="utf-8"?>
+<p:sld xmlns:a="http://schemas.openxmlformats.org/drawingml/2006/main" xmlns:r="http://schemas.openxmlformats.org/officeDocument/2006/relationships" xmlns:p="http://schemas.openxmlformats.org/presentationml/2006/main">
+  <p:cSld>
+    <p:bg>
+      <p:bgPr>
+        <a:solidFill>
+          <a:schemeClr val="bg1"/>
+        </a:solidFill>
+        <a:effectLst/>
+      </p:bgPr>
+    </p:bg>
+    <p:spTree>
+      <p:nvGrpSpPr>
+        <p:cNvPr id="1" name="">
+          <a:extLst>
+            <a:ext uri="{FF2B5EF4-FFF2-40B4-BE49-F238E27FC236}">
+              <a16:creationId xmlns:a16="http://schemas.microsoft.com/office/drawing/2014/main" id="{FA2F3134-6AB4-D73B-B3F5-EBB024B49FFB}"/>
+            </a:ext>
+          </a:extLst>
+        </p:cNvPr>
+        <p:cNvGrpSpPr/>
+        <p:nvPr/>
+      </p:nvGrpSpPr>
+      <p:grpSpPr>
+        <a:xfrm>
+          <a:off x="0" y="0"/>
+          <a:ext cx="0" cy="0"/>
+          <a:chOff x="0" y="0"/>
+          <a:chExt cx="0" cy="0"/>
+        </a:xfrm>
+      </p:grpSpPr>
+      <p:sp useBgFill="1">
+        <p:nvSpPr>
+          <p:cNvPr id="8" name="Rectangle 7">
+            <a:extLst>
+              <a:ext uri="{FF2B5EF4-FFF2-40B4-BE49-F238E27FC236}">
+                <a16:creationId xmlns:a16="http://schemas.microsoft.com/office/drawing/2014/main" id="{29DC5A77-10C9-4ECF-B7EB-8D917F36A9EE}"/>
+              </a:ext>
+              <a:ext uri="{C183D7F6-B498-43B3-948B-1728B52AA6E4}">
+                <adec:decorative xmlns:adec="http://schemas.microsoft.com/office/drawing/2017/decorative" val="1"/>
+              </a:ext>
+            </a:extLst>
+          </p:cNvPr>
+          <p:cNvSpPr>
+            <a:spLocks noGrp="1" noRot="1" noChangeAspect="1" noMove="1" noResize="1" noEditPoints="1" noAdjustHandles="1" noChangeArrowheads="1" noChangeShapeType="1" noTextEdit="1"/>
+          </p:cNvSpPr>
+          <p:nvPr>
+            <p:extLst>
+              <p:ext uri="{386F3935-93C4-4BCD-93E2-E3B085C9AB24}">
+                <p16:designElem xmlns:p16="http://schemas.microsoft.com/office/powerpoint/2015/main" val="1"/>
+              </p:ext>
+            </p:extLst>
+          </p:nvPr>
+        </p:nvSpPr>
+        <p:spPr>
+          <a:xfrm>
+            <a:off x="0" y="0"/>
+            <a:ext cx="12192000" cy="6858000"/>
+          </a:xfrm>
+          <a:prstGeom prst="rect">
+            <a:avLst/>
+          </a:prstGeom>
+          <a:ln>
+            <a:noFill/>
+          </a:ln>
+        </p:spPr>
+        <p:style>
+          <a:lnRef idx="2">
+            <a:schemeClr val="accent1">
+              <a:shade val="50000"/>
+            </a:schemeClr>
+          </a:lnRef>
+          <a:fillRef idx="1">
+            <a:schemeClr val="accent1"/>
+          </a:fillRef>
+          <a:effectRef idx="0">
+            <a:schemeClr val="accent1"/>
+          </a:effectRef>
+          <a:fontRef idx="minor">
+            <a:schemeClr val="lt1"/>
+          </a:fontRef>
+        </p:style>
+        <p:txBody>
+          <a:bodyPr rtlCol="0" anchor="ctr"/>
+          <a:lstStyle/>
+          <a:p>
+            <a:pPr algn="ctr"/>
+            <a:endParaRPr lang="en-US"/>
+          </a:p>
+        </p:txBody>
+      </p:sp>
+      <p:sp>
+        <p:nvSpPr>
+          <p:cNvPr id="10" name="Rectangle 9">
+            <a:extLst>
+              <a:ext uri="{FF2B5EF4-FFF2-40B4-BE49-F238E27FC236}">
+                <a16:creationId xmlns:a16="http://schemas.microsoft.com/office/drawing/2014/main" id="{2FFE28B5-FB16-49A9-B851-3C35FAC0CACB}"/>
+              </a:ext>
+              <a:ext uri="{C183D7F6-B498-43B3-948B-1728B52AA6E4}">
+                <adec:decorative xmlns:adec="http://schemas.microsoft.com/office/drawing/2017/decorative" val="1"/>
+              </a:ext>
+            </a:extLst>
+          </p:cNvPr>
+          <p:cNvSpPr>
+            <a:spLocks noGrp="1" noRot="1" noChangeAspect="1" noMove="1" noResize="1" noEditPoints="1" noAdjustHandles="1" noChangeArrowheads="1" noChangeShapeType="1" noTextEdit="1"/>
+          </p:cNvSpPr>
+          <p:nvPr>
+            <p:extLst>
+              <p:ext uri="{386F3935-93C4-4BCD-93E2-E3B085C9AB24}">
+                <p16:designElem xmlns:p16="http://schemas.microsoft.com/office/powerpoint/2015/main" val="1"/>
+              </p:ext>
+            </p:extLst>
+          </p:nvPr>
+        </p:nvSpPr>
+        <p:spPr>
+          <a:xfrm>
+            <a:off x="1" y="758952"/>
+            <a:ext cx="10905976" cy="1651133"/>
+          </a:xfrm>
+          <a:prstGeom prst="rect">
+            <a:avLst/>
+          </a:prstGeom>
+          <a:solidFill>
+            <a:schemeClr val="accent1"/>
+          </a:solidFill>
+          <a:ln>
+            <a:noFill/>
+          </a:ln>
+        </p:spPr>
+        <p:style>
+          <a:lnRef idx="2">
+            <a:schemeClr val="accent1">
+              <a:shade val="50000"/>
+            </a:schemeClr>
+          </a:lnRef>
+          <a:fillRef idx="1">
+            <a:schemeClr val="accent1"/>
+          </a:fillRef>
+          <a:effectRef idx="0">
+            <a:schemeClr val="accent1"/>
+          </a:effectRef>
+          <a:fontRef idx="minor">
+            <a:schemeClr val="lt1"/>
+          </a:fontRef>
+        </p:style>
+        <p:txBody>
+          <a:bodyPr/>
+          <a:lstStyle/>
+          <a:p>
+            <a:endParaRPr lang="en-US" dirty="0"/>
+          </a:p>
+        </p:txBody>
+      </p:sp>
+      <p:sp>
+        <p:nvSpPr>
+          <p:cNvPr id="2" name="Title 1">
+            <a:extLst>
+              <a:ext uri="{FF2B5EF4-FFF2-40B4-BE49-F238E27FC236}">
+                <a16:creationId xmlns:a16="http://schemas.microsoft.com/office/drawing/2014/main" id="{1521ADE4-0082-434B-7F0A-355CDCD493DD}"/>
+              </a:ext>
+            </a:extLst>
+          </p:cNvPr>
+          <p:cNvSpPr>
+            <a:spLocks noGrp="1"/>
+          </p:cNvSpPr>
+          <p:nvPr>
+            <p:ph type="title"/>
+          </p:nvPr>
+        </p:nvSpPr>
+        <p:spPr>
+          <a:xfrm>
+            <a:off x="1600754" y="1087374"/>
+            <a:ext cx="8983489" cy="1000978"/>
+          </a:xfrm>
+        </p:spPr>
+        <p:txBody>
+          <a:bodyPr>
+            <a:normAutofit/>
+          </a:bodyPr>
+          <a:lstStyle/>
+          <a:p>
+            <a:r>
+              <a:rPr lang="en-US" dirty="0">
+                <a:latin typeface="Aptos" panose="020B0004020202020204" pitchFamily="34" charset="0"/>
+              </a:rPr>
+              <a:t>Appendix B – Tools Used</a:t>
+            </a:r>
+          </a:p>
+        </p:txBody>
+      </p:sp>
+      <p:sp>
+        <p:nvSpPr>
+          <p:cNvPr id="12" name="Rectangle 11">
+            <a:extLst>
+              <a:ext uri="{FF2B5EF4-FFF2-40B4-BE49-F238E27FC236}">
+                <a16:creationId xmlns:a16="http://schemas.microsoft.com/office/drawing/2014/main" id="{01014442-855A-4E0F-8D09-C314661A48B9}"/>
+              </a:ext>
+              <a:ext uri="{C183D7F6-B498-43B3-948B-1728B52AA6E4}">
+                <adec:decorative xmlns:adec="http://schemas.microsoft.com/office/drawing/2017/decorative" val="1"/>
+              </a:ext>
+            </a:extLst>
+          </p:cNvPr>
+          <p:cNvSpPr>
+            <a:spLocks noGrp="1" noRot="1" noChangeAspect="1" noMove="1" noResize="1" noEditPoints="1" noAdjustHandles="1" noChangeArrowheads="1" noChangeShapeType="1" noTextEdit="1"/>
+          </p:cNvSpPr>
+          <p:nvPr>
+            <p:extLst>
+              <p:ext uri="{386F3935-93C4-4BCD-93E2-E3B085C9AB24}">
+                <p16:designElem xmlns:p16="http://schemas.microsoft.com/office/powerpoint/2015/main" val="1"/>
+              </p:ext>
+            </p:extLst>
+          </p:nvPr>
+        </p:nvSpPr>
+        <p:spPr>
+          <a:xfrm>
+            <a:off x="11014533" y="758952"/>
+            <a:ext cx="1185379" cy="1651133"/>
+          </a:xfrm>
+          <a:prstGeom prst="rect">
+            <a:avLst/>
+          </a:prstGeom>
+          <a:solidFill>
+            <a:srgbClr val="C8C8C8">
+              <a:alpha val="49804"/>
+            </a:srgbClr>
+          </a:solidFill>
+          <a:ln>
+            <a:noFill/>
+          </a:ln>
+        </p:spPr>
+        <p:style>
+          <a:lnRef idx="2">
+            <a:schemeClr val="accent1">
+              <a:shade val="50000"/>
+            </a:schemeClr>
+          </a:lnRef>
+          <a:fillRef idx="1">
+            <a:schemeClr val="accent1"/>
+          </a:fillRef>
+          <a:effectRef idx="0">
+            <a:schemeClr val="accent1"/>
+          </a:effectRef>
+          <a:fontRef idx="minor">
+            <a:schemeClr val="lt1"/>
+          </a:fontRef>
+        </p:style>
+        <p:txBody>
+          <a:bodyPr/>
+          <a:lstStyle/>
+          <a:p>
+            <a:endParaRPr lang="en-US"/>
+          </a:p>
+        </p:txBody>
+      </p:sp>
+      <p:sp>
+        <p:nvSpPr>
+          <p:cNvPr id="14" name="Rectangle 13">
+            <a:extLst>
+              <a:ext uri="{FF2B5EF4-FFF2-40B4-BE49-F238E27FC236}">
+                <a16:creationId xmlns:a16="http://schemas.microsoft.com/office/drawing/2014/main" id="{9B1ABF09-86CF-414E-88A5-2B84CC7232A9}"/>
+              </a:ext>
+              <a:ext uri="{C183D7F6-B498-43B3-948B-1728B52AA6E4}">
+                <adec:decorative xmlns:adec="http://schemas.microsoft.com/office/drawing/2017/decorative" val="1"/>
+              </a:ext>
+            </a:extLst>
+          </p:cNvPr>
+          <p:cNvSpPr>
+            <a:spLocks noGrp="1" noRot="1" noChangeAspect="1" noMove="1" noResize="1" noEditPoints="1" noAdjustHandles="1" noChangeArrowheads="1" noChangeShapeType="1" noTextEdit="1"/>
+          </p:cNvSpPr>
+          <p:nvPr>
+            <p:extLst>
+              <p:ext uri="{386F3935-93C4-4BCD-93E2-E3B085C9AB24}">
+                <p16:designElem xmlns:p16="http://schemas.microsoft.com/office/powerpoint/2015/main" val="1"/>
+              </p:ext>
+            </p:extLst>
+          </p:nvPr>
+        </p:nvSpPr>
+        <p:spPr>
+          <a:xfrm>
+            <a:off x="763" y="2526526"/>
+            <a:ext cx="1169701" cy="3563378"/>
+          </a:xfrm>
+          <a:prstGeom prst="rect">
+            <a:avLst/>
+          </a:prstGeom>
+          <a:solidFill>
+            <a:srgbClr val="C8C8C8">
+              <a:alpha val="49804"/>
+            </a:srgbClr>
+          </a:solidFill>
+          <a:ln>
+            <a:noFill/>
+          </a:ln>
+        </p:spPr>
+        <p:style>
+          <a:lnRef idx="2">
+            <a:schemeClr val="accent1">
+              <a:shade val="50000"/>
+            </a:schemeClr>
+          </a:lnRef>
+          <a:fillRef idx="1">
+            <a:schemeClr val="accent1"/>
+          </a:fillRef>
+          <a:effectRef idx="0">
+            <a:schemeClr val="accent1"/>
+          </a:effectRef>
+          <a:fontRef idx="minor">
+            <a:schemeClr val="lt1"/>
+          </a:fontRef>
+        </p:style>
+        <p:txBody>
+          <a:bodyPr/>
+          <a:lstStyle/>
+          <a:p>
+            <a:endParaRPr lang="en-US"/>
+          </a:p>
+        </p:txBody>
+      </p:sp>
+      <p:sp>
+        <p:nvSpPr>
+          <p:cNvPr id="16" name="Rectangle 15">
+            <a:extLst>
+              <a:ext uri="{FF2B5EF4-FFF2-40B4-BE49-F238E27FC236}">
+                <a16:creationId xmlns:a16="http://schemas.microsoft.com/office/drawing/2014/main" id="{3FE91770-CDBB-4D24-94E5-AD484F36CE87}"/>
+              </a:ext>
+              <a:ext uri="{C183D7F6-B498-43B3-948B-1728B52AA6E4}">
+                <adec:decorative xmlns:adec="http://schemas.microsoft.com/office/drawing/2017/decorative" val="1"/>
+              </a:ext>
+            </a:extLst>
+          </p:cNvPr>
+          <p:cNvSpPr>
+            <a:spLocks noGrp="1" noRot="1" noChangeAspect="1" noMove="1" noResize="1" noEditPoints="1" noAdjustHandles="1" noChangeArrowheads="1" noChangeShapeType="1" noTextEdit="1"/>
+          </p:cNvSpPr>
+          <p:nvPr>
+            <p:extLst>
+              <p:ext uri="{386F3935-93C4-4BCD-93E2-E3B085C9AB24}">
+                <p16:designElem xmlns:p16="http://schemas.microsoft.com/office/powerpoint/2015/main" val="1"/>
+              </p:ext>
+            </p:extLst>
+          </p:nvPr>
+        </p:nvSpPr>
+        <p:spPr>
+          <a:xfrm>
+            <a:off x="1279019" y="2526526"/>
+            <a:ext cx="10920893" cy="3563377"/>
+          </a:xfrm>
+          <a:prstGeom prst="rect">
+            <a:avLst/>
+          </a:prstGeom>
+          <a:solidFill>
+            <a:schemeClr val="bg2">
+              <a:lumMod val="60000"/>
+              <a:lumOff val="40000"/>
+              <a:alpha val="60000"/>
+            </a:schemeClr>
+          </a:solidFill>
+          <a:ln>
+            <a:noFill/>
+          </a:ln>
+        </p:spPr>
+        <p:style>
+          <a:lnRef idx="2">
+            <a:schemeClr val="accent1">
+              <a:shade val="50000"/>
+            </a:schemeClr>
+          </a:lnRef>
+          <a:fillRef idx="1">
+            <a:schemeClr val="accent1"/>
+          </a:fillRef>
+          <a:effectRef idx="0">
+            <a:schemeClr val="accent1"/>
+          </a:effectRef>
+          <a:fontRef idx="minor">
+            <a:schemeClr val="lt1"/>
+          </a:fontRef>
+        </p:style>
+        <p:txBody>
+          <a:bodyPr/>
+          <a:lstStyle/>
+          <a:p>
+            <a:endParaRPr lang="en-US" dirty="0"/>
+          </a:p>
+        </p:txBody>
+      </p:sp>
+      <p:sp>
+        <p:nvSpPr>
+          <p:cNvPr id="3" name="Content Placeholder 2">
+            <a:extLst>
+              <a:ext uri="{FF2B5EF4-FFF2-40B4-BE49-F238E27FC236}">
                 <a16:creationId xmlns:a16="http://schemas.microsoft.com/office/drawing/2014/main" id="{4E69F7DE-FC31-DBEF-A52A-D52484C51FB3}"/>
               </a:ext>
             </a:extLst>
@@ -9761,7 +11527,7 @@
 </p:sld>
 </file>
 
-<file path=ppt/slides/slide15.xml><?xml version="1.0" encoding="utf-8"?>
+<file path=ppt/slides/slide19.xml><?xml version="1.0" encoding="utf-8"?>
 <p:sld xmlns:a="http://schemas.openxmlformats.org/drawingml/2006/main" xmlns:r="http://schemas.openxmlformats.org/officeDocument/2006/relationships" xmlns:p="http://schemas.openxmlformats.org/presentationml/2006/main">
   <p:cSld>
     <p:bg>
@@ -11038,7 +12804,7 @@
                 </a:solidFill>
                 <a:latin typeface="Aptos" panose="020B0004020202020204" pitchFamily="34" charset="0"/>
               </a:rPr>
-              <a:t>The Resume contains summary data including, but not limited to:</a:t>
+              <a:t>The Resume includes, but is not limited to:</a:t>
             </a:r>
           </a:p>
           <a:p>
@@ -11056,7 +12822,7 @@
                 </a:solidFill>
                 <a:latin typeface="Aptos" panose="020B0004020202020204" pitchFamily="34" charset="0"/>
               </a:rPr>
-              <a:t>Days and time in session</a:t>
+              <a:t>Length of session</a:t>
             </a:r>
           </a:p>
           <a:p>
@@ -11546,7 +13312,9 @@
             <a:r>
               <a:rPr lang="en-US" b="1" dirty="0">
                 <a:solidFill>
-                  <a:schemeClr val="tx1"/>
+                  <a:schemeClr val="accent5">
+                    <a:lumMod val="75000"/>
+                  </a:schemeClr>
                 </a:solidFill>
                 <a:latin typeface="Aptos" panose="020B0004020202020204" pitchFamily="34" charset="0"/>
               </a:rPr>
@@ -11577,7 +13345,9 @@
             <a:r>
               <a:rPr lang="en-US" b="1" dirty="0">
                 <a:solidFill>
-                  <a:schemeClr val="tx1"/>
+                  <a:schemeClr val="accent5">
+                    <a:lumMod val="75000"/>
+                  </a:schemeClr>
                 </a:solidFill>
                 <a:latin typeface="Aptos" panose="020B0004020202020204" pitchFamily="34" charset="0"/>
               </a:rPr>
@@ -11608,7 +13378,9 @@
             <a:r>
               <a:rPr lang="en-US" b="1" dirty="0">
                 <a:solidFill>
-                  <a:schemeClr val="tx1"/>
+                  <a:schemeClr val="accent5">
+                    <a:lumMod val="75000"/>
+                  </a:schemeClr>
                 </a:solidFill>
                 <a:latin typeface="Aptos" panose="020B0004020202020204" pitchFamily="34" charset="0"/>
               </a:rPr>
@@ -11639,7 +13411,9 @@
             <a:r>
               <a:rPr lang="en-US" b="1" dirty="0">
                 <a:solidFill>
-                  <a:schemeClr val="tx1"/>
+                  <a:schemeClr val="accent5">
+                    <a:lumMod val="75000"/>
+                  </a:schemeClr>
                 </a:solidFill>
                 <a:latin typeface="Aptos" panose="020B0004020202020204" pitchFamily="34" charset="0"/>
               </a:rPr>
@@ -11898,7 +13672,7 @@
               <a:rPr lang="en-US" sz="2000" dirty="0">
                 <a:latin typeface="Aptos" panose="020B0004020202020204" pitchFamily="34" charset="0"/>
               </a:rPr>
-              <a:t>Resumes before to 1997 are available as scanned images. Later resumes are posted as PDF text.</a:t>
+              <a:t>Resumes before 1997 are available as scanned images. Later resumes are available as PDF text.</a:t>
             </a:r>
             <a:endParaRPr lang="en-US" dirty="0">
               <a:latin typeface="Aptos" panose="020B0004020202020204" pitchFamily="34" charset="0"/>
@@ -13695,7 +15469,7 @@
         </p:nvSpPr>
         <p:spPr>
           <a:xfrm>
-            <a:off x="252920" y="3849454"/>
+            <a:off x="252920" y="3577085"/>
             <a:ext cx="2947482" cy="2056823"/>
           </a:xfrm>
         </p:spPr>
@@ -13715,7 +15489,7 @@
                 </a:solidFill>
                 <a:latin typeface="Aptos" panose="020B0004020202020204" pitchFamily="34" charset="0"/>
               </a:rPr>
-              <a:t>Each of the tools listed was tested using the Final Resume of Congressional Activity for the 98</a:t>
+              <a:t>Each library was tested using the Final Resume of Congressional Activity for the 98</a:t>
             </a:r>
             <a:r>
               <a:rPr lang="en-US" baseline="30000" dirty="0">
@@ -13733,7 +15507,7 @@
                 </a:solidFill>
                 <a:latin typeface="Aptos" panose="020B0004020202020204" pitchFamily="34" charset="0"/>
               </a:rPr>
-              <a:t> Congress</a:t>
+              <a:t> Congress.</a:t>
             </a:r>
           </a:p>
         </p:txBody>
@@ -13753,7 +15527,7 @@
           <p:nvPr>
             <p:extLst>
               <p:ext uri="{D42A27DB-BD31-4B8C-83A1-F6EECF244321}">
-                <p14:modId xmlns:p14="http://schemas.microsoft.com/office/powerpoint/2010/main" val="3514493091"/>
+                <p14:modId xmlns:p14="http://schemas.microsoft.com/office/powerpoint/2010/main" val="3649110321"/>
               </p:ext>
             </p:extLst>
           </p:nvPr>
@@ -13987,7 +15761,7 @@
                         <a:rPr lang="en-US" sz="1800" dirty="0">
                           <a:latin typeface="Aptos Light" panose="020B0004020202020204" pitchFamily="34" charset="0"/>
                         </a:rPr>
-                        <a:t>Similar result to tabula, but output is not as clean</a:t>
+                        <a:t>Results are similar to tabula, but output is not as clean</a:t>
                       </a:r>
                     </a:p>
                   </a:txBody>
@@ -14666,7 +16440,7 @@
                 </a:solidFill>
                 <a:latin typeface="Aptos" panose="020B0004020202020204" pitchFamily="34" charset="0"/>
               </a:rPr>
-              <a:t>* Code used for testing available on </a:t>
+              <a:t>* Code used for testing is available on </a:t>
             </a:r>
             <a:r>
               <a:rPr lang="en-US" sz="1800" i="1" dirty="0">

--- a/Data Scrape and Validation Presentation.pptx
+++ b/Data Scrape and Validation Presentation.pptx
@@ -133,7 +133,7 @@
 <file path=ppt/revisionInfo.xml><?xml version="1.0" encoding="utf-8"?>
 <p1510:revInfo xmlns:a="http://schemas.openxmlformats.org/drawingml/2006/main" xmlns:r="http://schemas.openxmlformats.org/officeDocument/2006/relationships" xmlns:p1510="http://schemas.microsoft.com/office/powerpoint/2015/10/main">
   <p1510:revLst>
-    <p1510:client id="{8EAB60BA-E372-48BD-94F6-A0E9F847508E}" v="1086" dt="2024-03-16T22:29:58.878"/>
+    <p1510:client id="{8EAB60BA-E372-48BD-94F6-A0E9F847508E}" v="1087" dt="2024-03-24T19:05:05.411"/>
   </p1510:revLst>
 </p1510:revInfo>
 </file>
@@ -143,7 +143,7 @@
   <pc:docChgLst>
     <pc:chgData name="Tami McManus" userId="4a41d8b392a254fb" providerId="LiveId" clId="{8EAB60BA-E372-48BD-94F6-A0E9F847508E}"/>
     <pc:docChg chg="undo redo custSel addSld delSld modSld sldOrd modMainMaster">
-      <pc:chgData name="Tami McManus" userId="4a41d8b392a254fb" providerId="LiveId" clId="{8EAB60BA-E372-48BD-94F6-A0E9F847508E}" dt="2024-03-16T22:34:07.204" v="11875" actId="6549"/>
+      <pc:chgData name="Tami McManus" userId="4a41d8b392a254fb" providerId="LiveId" clId="{8EAB60BA-E372-48BD-94F6-A0E9F847508E}" dt="2024-03-24T19:05:16.182" v="11978" actId="20577"/>
       <pc:docMkLst>
         <pc:docMk/>
       </pc:docMkLst>
@@ -376,7 +376,7 @@
         </pc:spChg>
       </pc:sldChg>
       <pc:sldChg chg="addSp modSp add mod setBg">
-        <pc:chgData name="Tami McManus" userId="4a41d8b392a254fb" providerId="LiveId" clId="{8EAB60BA-E372-48BD-94F6-A0E9F847508E}" dt="2024-03-03T21:43:26.472" v="1344" actId="14100"/>
+        <pc:chgData name="Tami McManus" userId="4a41d8b392a254fb" providerId="LiveId" clId="{8EAB60BA-E372-48BD-94F6-A0E9F847508E}" dt="2024-03-24T19:05:16.182" v="11978" actId="20577"/>
         <pc:sldMkLst>
           <pc:docMk/>
           <pc:sldMk cId="2840120926" sldId="260"/>
@@ -390,7 +390,7 @@
           </ac:spMkLst>
         </pc:spChg>
         <pc:spChg chg="mod">
-          <ac:chgData name="Tami McManus" userId="4a41d8b392a254fb" providerId="LiveId" clId="{8EAB60BA-E372-48BD-94F6-A0E9F847508E}" dt="2024-03-03T21:43:26.472" v="1344" actId="14100"/>
+          <ac:chgData name="Tami McManus" userId="4a41d8b392a254fb" providerId="LiveId" clId="{8EAB60BA-E372-48BD-94F6-A0E9F847508E}" dt="2024-03-24T19:05:16.182" v="11978" actId="20577"/>
           <ac:spMkLst>
             <pc:docMk/>
             <pc:sldMk cId="2840120926" sldId="260"/>
@@ -5009,7 +5009,7 @@
           <a:p>
             <a:fld id="{BBB3F45B-32CC-4EF6-901D-875D1B901CCF}" type="datetimeFigureOut">
               <a:rPr lang="en-US" smtClean="0"/>
-              <a:t>3/16/2024</a:t>
+              <a:t>3/24/2024</a:t>
             </a:fld>
             <a:endParaRPr lang="en-US"/>
           </a:p>
@@ -5179,7 +5179,7 @@
           <a:p>
             <a:fld id="{BBB3F45B-32CC-4EF6-901D-875D1B901CCF}" type="datetimeFigureOut">
               <a:rPr lang="en-US" smtClean="0"/>
-              <a:t>3/16/2024</a:t>
+              <a:t>3/24/2024</a:t>
             </a:fld>
             <a:endParaRPr lang="en-US"/>
           </a:p>
@@ -5359,7 +5359,7 @@
           <a:p>
             <a:fld id="{BBB3F45B-32CC-4EF6-901D-875D1B901CCF}" type="datetimeFigureOut">
               <a:rPr lang="en-US" smtClean="0"/>
-              <a:t>3/16/2024</a:t>
+              <a:t>3/24/2024</a:t>
             </a:fld>
             <a:endParaRPr lang="en-US"/>
           </a:p>
@@ -5529,7 +5529,7 @@
           <a:p>
             <a:fld id="{BBB3F45B-32CC-4EF6-901D-875D1B901CCF}" type="datetimeFigureOut">
               <a:rPr lang="en-US" smtClean="0"/>
-              <a:t>3/16/2024</a:t>
+              <a:t>3/24/2024</a:t>
             </a:fld>
             <a:endParaRPr lang="en-US"/>
           </a:p>
@@ -5787,7 +5787,7 @@
           <a:p>
             <a:fld id="{BBB3F45B-32CC-4EF6-901D-875D1B901CCF}" type="datetimeFigureOut">
               <a:rPr lang="en-US" smtClean="0"/>
-              <a:t>3/16/2024</a:t>
+              <a:t>3/24/2024</a:t>
             </a:fld>
             <a:endParaRPr lang="en-US"/>
           </a:p>
@@ -6075,7 +6075,7 @@
           <a:p>
             <a:fld id="{BBB3F45B-32CC-4EF6-901D-875D1B901CCF}" type="datetimeFigureOut">
               <a:rPr lang="en-US" smtClean="0"/>
-              <a:t>3/16/2024</a:t>
+              <a:t>3/24/2024</a:t>
             </a:fld>
             <a:endParaRPr lang="en-US"/>
           </a:p>
@@ -6517,7 +6517,7 @@
           <a:p>
             <a:fld id="{BBB3F45B-32CC-4EF6-901D-875D1B901CCF}" type="datetimeFigureOut">
               <a:rPr lang="en-US" smtClean="0"/>
-              <a:t>3/16/2024</a:t>
+              <a:t>3/24/2024</a:t>
             </a:fld>
             <a:endParaRPr lang="en-US"/>
           </a:p>
@@ -6635,7 +6635,7 @@
           <a:p>
             <a:fld id="{BBB3F45B-32CC-4EF6-901D-875D1B901CCF}" type="datetimeFigureOut">
               <a:rPr lang="en-US" smtClean="0"/>
-              <a:t>3/16/2024</a:t>
+              <a:t>3/24/2024</a:t>
             </a:fld>
             <a:endParaRPr lang="en-US"/>
           </a:p>
@@ -6730,7 +6730,7 @@
           <a:p>
             <a:fld id="{BBB3F45B-32CC-4EF6-901D-875D1B901CCF}" type="datetimeFigureOut">
               <a:rPr lang="en-US" smtClean="0"/>
-              <a:t>3/16/2024</a:t>
+              <a:t>3/24/2024</a:t>
             </a:fld>
             <a:endParaRPr lang="en-US"/>
           </a:p>
@@ -7018,7 +7018,7 @@
           <a:p>
             <a:fld id="{BBB3F45B-32CC-4EF6-901D-875D1B901CCF}" type="datetimeFigureOut">
               <a:rPr lang="en-US" smtClean="0"/>
-              <a:t>3/16/2024</a:t>
+              <a:t>3/24/2024</a:t>
             </a:fld>
             <a:endParaRPr lang="en-US"/>
           </a:p>
@@ -7292,7 +7292,7 @@
           <a:p>
             <a:fld id="{BBB3F45B-32CC-4EF6-901D-875D1B901CCF}" type="datetimeFigureOut">
               <a:rPr lang="en-US" smtClean="0"/>
-              <a:t>3/16/2024</a:t>
+              <a:t>3/24/2024</a:t>
             </a:fld>
             <a:endParaRPr lang="en-US"/>
           </a:p>
@@ -7591,7 +7591,7 @@
           <a:p>
             <a:fld id="{BBB3F45B-32CC-4EF6-901D-875D1B901CCF}" type="datetimeFigureOut">
               <a:rPr lang="en-US" smtClean="0"/>
-              <a:t>3/16/2024</a:t>
+              <a:t>3/24/2024</a:t>
             </a:fld>
             <a:endParaRPr lang="en-US"/>
           </a:p>
@@ -11066,6 +11066,65 @@
               <a:t>. Accessed Nov 23, 2023.</a:t>
             </a:r>
           </a:p>
+          <a:p>
+            <a:pPr marL="0" indent="0">
+              <a:buNone/>
+            </a:pPr>
+            <a:endParaRPr lang="en-US" dirty="0">
+              <a:solidFill>
+                <a:schemeClr val="tx1"/>
+              </a:solidFill>
+              <a:latin typeface="Aptos" panose="020B0004020202020204" pitchFamily="34" charset="0"/>
+            </a:endParaRPr>
+          </a:p>
+          <a:p>
+            <a:pPr marL="0" indent="0">
+              <a:buNone/>
+            </a:pPr>
+            <a:r>
+              <a:rPr lang="en-US" dirty="0">
+                <a:solidFill>
+                  <a:schemeClr val="tx1"/>
+                </a:solidFill>
+                <a:latin typeface="Aptos" panose="020B0004020202020204" pitchFamily="34" charset="0"/>
+              </a:rPr>
+              <a:t>“Days of Past Session”, United States Congress, </a:t>
+            </a:r>
+            <a:r>
+              <a:rPr lang="en-US" dirty="0">
+                <a:solidFill>
+                  <a:schemeClr val="tx1"/>
+                </a:solidFill>
+                <a:latin typeface="Aptos" panose="020B0004020202020204" pitchFamily="34" charset="0"/>
+                <a:hlinkClick r:id="rId3"/>
+              </a:rPr>
+              <a:t>https://www.congress.gov/past-days-in-session</a:t>
+            </a:r>
+            <a:r>
+              <a:rPr lang="en-US" dirty="0">
+                <a:solidFill>
+                  <a:schemeClr val="tx1"/>
+                </a:solidFill>
+                <a:latin typeface="Aptos" panose="020B0004020202020204" pitchFamily="34" charset="0"/>
+              </a:rPr>
+              <a:t>. </a:t>
+            </a:r>
+            <a:r>
+              <a:rPr lang="en-US">
+                <a:solidFill>
+                  <a:schemeClr val="tx1"/>
+                </a:solidFill>
+                <a:latin typeface="Aptos" panose="020B0004020202020204" pitchFamily="34" charset="0"/>
+              </a:rPr>
+              <a:t>Accessed Mar 24, 2024.</a:t>
+            </a:r>
+            <a:endParaRPr lang="en-US" dirty="0">
+              <a:solidFill>
+                <a:schemeClr val="tx1"/>
+              </a:solidFill>
+              <a:latin typeface="Aptos" panose="020B0004020202020204" pitchFamily="34" charset="0"/>
+            </a:endParaRPr>
+          </a:p>
         </p:txBody>
       </p:sp>
     </p:spTree>

--- a/Data Scrape and Validation Presentation.pptx
+++ b/Data Scrape and Validation Presentation.pptx
@@ -150,7 +150,7 @@
   <pc:docChgLst>
     <pc:chgData name="Tami McManus" userId="4a41d8b392a254fb" providerId="LiveId" clId="{E5F2DE68-4190-41F0-9E70-54CCD6C8E3DB}"/>
     <pc:docChg chg="undo custSel addSld delSld modSld sldOrd modMainMaster">
-      <pc:chgData name="Tami McManus" userId="4a41d8b392a254fb" providerId="LiveId" clId="{E5F2DE68-4190-41F0-9E70-54CCD6C8E3DB}" dt="2024-03-29T18:50:09.141" v="753"/>
+      <pc:chgData name="Tami McManus" userId="4a41d8b392a254fb" providerId="LiveId" clId="{E5F2DE68-4190-41F0-9E70-54CCD6C8E3DB}" dt="2024-03-30T15:50:51.837" v="810" actId="20577"/>
       <pc:docMkLst>
         <pc:docMk/>
       </pc:docMkLst>
@@ -310,13 +310,13 @@
         </pc:spChg>
       </pc:sldChg>
       <pc:sldChg chg="modSp mod">
-        <pc:chgData name="Tami McManus" userId="4a41d8b392a254fb" providerId="LiveId" clId="{E5F2DE68-4190-41F0-9E70-54CCD6C8E3DB}" dt="2024-03-29T18:19:04.896" v="14" actId="207"/>
+        <pc:chgData name="Tami McManus" userId="4a41d8b392a254fb" providerId="LiveId" clId="{E5F2DE68-4190-41F0-9E70-54CCD6C8E3DB}" dt="2024-03-30T15:49:52.838" v="775" actId="20577"/>
         <pc:sldMkLst>
           <pc:docMk/>
           <pc:sldMk cId="3237007141" sldId="274"/>
         </pc:sldMkLst>
         <pc:spChg chg="mod">
-          <ac:chgData name="Tami McManus" userId="4a41d8b392a254fb" providerId="LiveId" clId="{E5F2DE68-4190-41F0-9E70-54CCD6C8E3DB}" dt="2024-03-29T18:18:20.811" v="9" actId="255"/>
+          <ac:chgData name="Tami McManus" userId="4a41d8b392a254fb" providerId="LiveId" clId="{E5F2DE68-4190-41F0-9E70-54CCD6C8E3DB}" dt="2024-03-30T15:49:37.733" v="774" actId="20577"/>
           <ac:spMkLst>
             <pc:docMk/>
             <pc:sldMk cId="3237007141" sldId="274"/>
@@ -340,11 +340,41 @@
           </ac:spMkLst>
         </pc:spChg>
         <pc:spChg chg="mod">
-          <ac:chgData name="Tami McManus" userId="4a41d8b392a254fb" providerId="LiveId" clId="{E5F2DE68-4190-41F0-9E70-54CCD6C8E3DB}" dt="2024-03-29T18:18:27.194" v="10" actId="255"/>
+          <ac:chgData name="Tami McManus" userId="4a41d8b392a254fb" providerId="LiveId" clId="{E5F2DE68-4190-41F0-9E70-54CCD6C8E3DB}" dt="2024-03-30T15:49:52.838" v="775" actId="20577"/>
           <ac:spMkLst>
             <pc:docMk/>
             <pc:sldMk cId="3237007141" sldId="274"/>
             <ac:spMk id="6" creationId="{2564A9DA-8EA6-76DD-8E40-96A29AE1EA16}"/>
+          </ac:spMkLst>
+        </pc:spChg>
+      </pc:sldChg>
+      <pc:sldChg chg="modSp mod">
+        <pc:chgData name="Tami McManus" userId="4a41d8b392a254fb" providerId="LiveId" clId="{E5F2DE68-4190-41F0-9E70-54CCD6C8E3DB}" dt="2024-03-30T15:49:18.405" v="772" actId="20577"/>
+        <pc:sldMkLst>
+          <pc:docMk/>
+          <pc:sldMk cId="3563983360" sldId="277"/>
+        </pc:sldMkLst>
+        <pc:spChg chg="mod">
+          <ac:chgData name="Tami McManus" userId="4a41d8b392a254fb" providerId="LiveId" clId="{E5F2DE68-4190-41F0-9E70-54CCD6C8E3DB}" dt="2024-03-30T15:49:18.405" v="772" actId="20577"/>
+          <ac:spMkLst>
+            <pc:docMk/>
+            <pc:sldMk cId="3563983360" sldId="277"/>
+            <ac:spMk id="3" creationId="{A92E0EC7-2385-EC35-313E-58A5E41C0571}"/>
+          </ac:spMkLst>
+        </pc:spChg>
+      </pc:sldChg>
+      <pc:sldChg chg="modSp mod">
+        <pc:chgData name="Tami McManus" userId="4a41d8b392a254fb" providerId="LiveId" clId="{E5F2DE68-4190-41F0-9E70-54CCD6C8E3DB}" dt="2024-03-30T15:50:51.837" v="810" actId="20577"/>
+        <pc:sldMkLst>
+          <pc:docMk/>
+          <pc:sldMk cId="1591615766" sldId="280"/>
+        </pc:sldMkLst>
+        <pc:spChg chg="mod">
+          <ac:chgData name="Tami McManus" userId="4a41d8b392a254fb" providerId="LiveId" clId="{E5F2DE68-4190-41F0-9E70-54CCD6C8E3DB}" dt="2024-03-30T15:50:51.837" v="810" actId="20577"/>
+          <ac:spMkLst>
+            <pc:docMk/>
+            <pc:sldMk cId="1591615766" sldId="280"/>
+            <ac:spMk id="3" creationId="{A92E0EC7-2385-EC35-313E-58A5E41C0571}"/>
           </ac:spMkLst>
         </pc:spChg>
       </pc:sldChg>
@@ -368,6 +398,21 @@
             <pc:docMk/>
             <pc:sldMk cId="1902958474" sldId="281"/>
             <ac:graphicFrameMk id="28" creationId="{179DF795-26F9-1205-6C48-E044AB93E57D}"/>
+          </ac:graphicFrameMkLst>
+        </pc:graphicFrameChg>
+      </pc:sldChg>
+      <pc:sldChg chg="modSp mod">
+        <pc:chgData name="Tami McManus" userId="4a41d8b392a254fb" providerId="LiveId" clId="{E5F2DE68-4190-41F0-9E70-54CCD6C8E3DB}" dt="2024-03-30T15:48:28.076" v="754" actId="122"/>
+        <pc:sldMkLst>
+          <pc:docMk/>
+          <pc:sldMk cId="3368626034" sldId="282"/>
+        </pc:sldMkLst>
+        <pc:graphicFrameChg chg="modGraphic">
+          <ac:chgData name="Tami McManus" userId="4a41d8b392a254fb" providerId="LiveId" clId="{E5F2DE68-4190-41F0-9E70-54CCD6C8E3DB}" dt="2024-03-30T15:48:28.076" v="754" actId="122"/>
+          <ac:graphicFrameMkLst>
+            <pc:docMk/>
+            <pc:sldMk cId="3368626034" sldId="282"/>
+            <ac:graphicFrameMk id="3" creationId="{C9BF2F77-F942-D9D2-0985-380482964A6B}"/>
           </ac:graphicFrameMkLst>
         </pc:graphicFrameChg>
       </pc:sldChg>
@@ -8136,7 +8181,7 @@
           <a:p>
             <a:fld id="{57915C60-0DDF-9B4A-958D-F8888F5F09CD}" type="datetimeFigureOut">
               <a:rPr lang="en-US" smtClean="0"/>
-              <a:t>3/29/2024</a:t>
+              <a:t>3/30/2024</a:t>
             </a:fld>
             <a:endParaRPr lang="en-US"/>
           </a:p>
@@ -9385,7 +9430,7 @@
           <a:p>
             <a:fld id="{BBB3F45B-32CC-4EF6-901D-875D1B901CCF}" type="datetimeFigureOut">
               <a:rPr lang="en-US" smtClean="0"/>
-              <a:t>3/29/2024</a:t>
+              <a:t>3/30/2024</a:t>
             </a:fld>
             <a:endParaRPr lang="en-US"/>
           </a:p>
@@ -9555,7 +9600,7 @@
           <a:p>
             <a:fld id="{BBB3F45B-32CC-4EF6-901D-875D1B901CCF}" type="datetimeFigureOut">
               <a:rPr lang="en-US" smtClean="0"/>
-              <a:t>3/29/2024</a:t>
+              <a:t>3/30/2024</a:t>
             </a:fld>
             <a:endParaRPr lang="en-US"/>
           </a:p>
@@ -9735,7 +9780,7 @@
           <a:p>
             <a:fld id="{BBB3F45B-32CC-4EF6-901D-875D1B901CCF}" type="datetimeFigureOut">
               <a:rPr lang="en-US" smtClean="0"/>
-              <a:t>3/29/2024</a:t>
+              <a:t>3/30/2024</a:t>
             </a:fld>
             <a:endParaRPr lang="en-US"/>
           </a:p>
@@ -9905,7 +9950,7 @@
           <a:p>
             <a:fld id="{BBB3F45B-32CC-4EF6-901D-875D1B901CCF}" type="datetimeFigureOut">
               <a:rPr lang="en-US" smtClean="0"/>
-              <a:t>3/29/2024</a:t>
+              <a:t>3/30/2024</a:t>
             </a:fld>
             <a:endParaRPr lang="en-US"/>
           </a:p>
@@ -10163,7 +10208,7 @@
           <a:p>
             <a:fld id="{BBB3F45B-32CC-4EF6-901D-875D1B901CCF}" type="datetimeFigureOut">
               <a:rPr lang="en-US" smtClean="0"/>
-              <a:t>3/29/2024</a:t>
+              <a:t>3/30/2024</a:t>
             </a:fld>
             <a:endParaRPr lang="en-US"/>
           </a:p>
@@ -10451,7 +10496,7 @@
           <a:p>
             <a:fld id="{BBB3F45B-32CC-4EF6-901D-875D1B901CCF}" type="datetimeFigureOut">
               <a:rPr lang="en-US" smtClean="0"/>
-              <a:t>3/29/2024</a:t>
+              <a:t>3/30/2024</a:t>
             </a:fld>
             <a:endParaRPr lang="en-US"/>
           </a:p>
@@ -10893,7 +10938,7 @@
           <a:p>
             <a:fld id="{BBB3F45B-32CC-4EF6-901D-875D1B901CCF}" type="datetimeFigureOut">
               <a:rPr lang="en-US" smtClean="0"/>
-              <a:t>3/29/2024</a:t>
+              <a:t>3/30/2024</a:t>
             </a:fld>
             <a:endParaRPr lang="en-US"/>
           </a:p>
@@ -11011,7 +11056,7 @@
           <a:p>
             <a:fld id="{BBB3F45B-32CC-4EF6-901D-875D1B901CCF}" type="datetimeFigureOut">
               <a:rPr lang="en-US" smtClean="0"/>
-              <a:t>3/29/2024</a:t>
+              <a:t>3/30/2024</a:t>
             </a:fld>
             <a:endParaRPr lang="en-US"/>
           </a:p>
@@ -11106,7 +11151,7 @@
           <a:p>
             <a:fld id="{BBB3F45B-32CC-4EF6-901D-875D1B901CCF}" type="datetimeFigureOut">
               <a:rPr lang="en-US" smtClean="0"/>
-              <a:t>3/29/2024</a:t>
+              <a:t>3/30/2024</a:t>
             </a:fld>
             <a:endParaRPr lang="en-US"/>
           </a:p>
@@ -11394,7 +11439,7 @@
           <a:p>
             <a:fld id="{BBB3F45B-32CC-4EF6-901D-875D1B901CCF}" type="datetimeFigureOut">
               <a:rPr lang="en-US" smtClean="0"/>
-              <a:t>3/29/2024</a:t>
+              <a:t>3/30/2024</a:t>
             </a:fld>
             <a:endParaRPr lang="en-US"/>
           </a:p>
@@ -11668,7 +11713,7 @@
           <a:p>
             <a:fld id="{BBB3F45B-32CC-4EF6-901D-875D1B901CCF}" type="datetimeFigureOut">
               <a:rPr lang="en-US" smtClean="0"/>
-              <a:t>3/29/2024</a:t>
+              <a:t>3/30/2024</a:t>
             </a:fld>
             <a:endParaRPr lang="en-US"/>
           </a:p>
@@ -11967,7 +12012,7 @@
           <a:p>
             <a:fld id="{BBB3F45B-32CC-4EF6-901D-875D1B901CCF}" type="datetimeFigureOut">
               <a:rPr lang="en-US" smtClean="0"/>
-              <a:t>3/29/2024</a:t>
+              <a:t>3/30/2024</a:t>
             </a:fld>
             <a:endParaRPr lang="en-US"/>
           </a:p>
@@ -13362,7 +13407,7 @@
           <p:nvPr>
             <p:extLst>
               <p:ext uri="{D42A27DB-BD31-4B8C-83A1-F6EECF244321}">
-                <p14:modId xmlns:p14="http://schemas.microsoft.com/office/powerpoint/2010/main" val="3195792624"/>
+                <p14:modId xmlns:p14="http://schemas.microsoft.com/office/powerpoint/2010/main" val="2127222368"/>
               </p:ext>
             </p:extLst>
           </p:nvPr>
@@ -13502,6 +13547,7 @@
                     <a:bodyPr/>
                     <a:lstStyle/>
                     <a:p>
+                      <a:pPr algn="ctr"/>
                       <a:r>
                         <a:rPr lang="en-US" sz="2000" dirty="0">
                           <a:solidFill>
@@ -13525,6 +13571,7 @@
                     <a:bodyPr/>
                     <a:lstStyle/>
                     <a:p>
+                      <a:pPr algn="ctr"/>
                       <a:r>
                         <a:rPr lang="en-US" sz="2000" dirty="0">
                           <a:solidFill>
@@ -13548,6 +13595,7 @@
                     <a:bodyPr/>
                     <a:lstStyle/>
                     <a:p>
+                      <a:pPr algn="ctr"/>
                       <a:r>
                         <a:rPr lang="en-US" sz="2000" dirty="0">
                           <a:solidFill>
@@ -13571,6 +13619,7 @@
                     <a:bodyPr/>
                     <a:lstStyle/>
                     <a:p>
+                      <a:pPr algn="ctr"/>
                       <a:r>
                         <a:rPr lang="en-US" sz="2000" dirty="0">
                           <a:solidFill>
@@ -13594,6 +13643,7 @@
                     <a:bodyPr/>
                     <a:lstStyle/>
                     <a:p>
+                      <a:pPr algn="ctr"/>
                       <a:r>
                         <a:rPr lang="en-US" sz="2000" dirty="0">
                           <a:solidFill>
@@ -15562,7 +15612,7 @@
                 </a:solidFill>
                 <a:latin typeface="Aptos" panose="020B0004020202020204" pitchFamily="34" charset="0"/>
               </a:rPr>
-              <a:t>Merging of similar types of data where categorization and labeling was inconsistent:</a:t>
+              <a:t>Merging of similar types of data where categorization and labeling was inconsistent from year to year:</a:t>
             </a:r>
           </a:p>
           <a:p>
@@ -15815,7 +15865,7 @@
                 </a:solidFill>
                 <a:latin typeface="Aptos" panose="020B0004020202020204" pitchFamily="34" charset="0"/>
               </a:rPr>
-              <a:t>Verify date is present for both houses of Congress</a:t>
+              <a:t>Verify data is present for both houses of Congress</a:t>
             </a:r>
           </a:p>
           <a:p>
@@ -15944,7 +15994,7 @@
                 </a:solidFill>
                 <a:latin typeface="Aptos" panose="020B0004020202020204" pitchFamily="34" charset="0"/>
               </a:rPr>
-              <a:t>Verify session date against Congress.gov</a:t>
+              <a:t>Verify session dates against Congress.gov</a:t>
             </a:r>
           </a:p>
           <a:p>
@@ -17438,7 +17488,7 @@
         </p:spPr>
         <p:txBody>
           <a:bodyPr tIns="182880" anchor="t">
-            <a:normAutofit/>
+            <a:normAutofit lnSpcReduction="10000"/>
           </a:bodyPr>
           <a:lstStyle/>
           <a:p>
@@ -17537,6 +17587,44 @@
               </a:rPr>
               <a:t>Expand the dataset to include more sessions of Congress</a:t>
             </a:r>
+          </a:p>
+          <a:p>
+            <a:pPr lvl="1">
+              <a:lnSpc>
+                <a:spcPct val="100000"/>
+              </a:lnSpc>
+              <a:buClr>
+                <a:schemeClr val="accent5">
+                  <a:lumMod val="75000"/>
+                </a:schemeClr>
+              </a:buClr>
+              <a:buFont typeface="Wingdings" panose="05000000000000000000" pitchFamily="2" charset="2"/>
+              <a:buChar char="§"/>
+            </a:pPr>
+            <a:r>
+              <a:rPr lang="en-US" sz="2200" dirty="0">
+                <a:solidFill>
+                  <a:schemeClr val="tx1"/>
+                </a:solidFill>
+                <a:latin typeface="Aptos" panose="020B0004020202020204" pitchFamily="34" charset="0"/>
+              </a:rPr>
+              <a:t>Explore </a:t>
+            </a:r>
+            <a:r>
+              <a:rPr lang="en-US" sz="2200">
+                <a:solidFill>
+                  <a:schemeClr val="tx1"/>
+                </a:solidFill>
+                <a:latin typeface="Aptos" panose="020B0004020202020204" pitchFamily="34" charset="0"/>
+              </a:rPr>
+              <a:t>the dataset for trends </a:t>
+            </a:r>
+            <a:endParaRPr lang="en-US" sz="2200" dirty="0">
+              <a:solidFill>
+                <a:schemeClr val="tx1"/>
+              </a:solidFill>
+              <a:latin typeface="Aptos" panose="020B0004020202020204" pitchFamily="34" charset="0"/>
+            </a:endParaRPr>
           </a:p>
           <a:p>
             <a:pPr marL="0" indent="0">

--- a/Data Scrape and Validation Presentation.pptx
+++ b/Data Scrape and Validation Presentation.pptx
@@ -150,7 +150,7 @@
   <pc:docChgLst>
     <pc:chgData name="Tami McManus" userId="4a41d8b392a254fb" providerId="LiveId" clId="{E5F2DE68-4190-41F0-9E70-54CCD6C8E3DB}"/>
     <pc:docChg chg="undo custSel addSld delSld modSld sldOrd modMainMaster">
-      <pc:chgData name="Tami McManus" userId="4a41d8b392a254fb" providerId="LiveId" clId="{E5F2DE68-4190-41F0-9E70-54CCD6C8E3DB}" dt="2024-03-30T15:50:51.837" v="810" actId="20577"/>
+      <pc:chgData name="Tami McManus" userId="4a41d8b392a254fb" providerId="LiveId" clId="{E5F2DE68-4190-41F0-9E70-54CCD6C8E3DB}" dt="2024-03-30T15:57:57.791" v="811" actId="20577"/>
       <pc:docMkLst>
         <pc:docMk/>
       </pc:docMkLst>
@@ -280,13 +280,13 @@
         </pc:spChg>
       </pc:sldChg>
       <pc:sldChg chg="modSp mod">
-        <pc:chgData name="Tami McManus" userId="4a41d8b392a254fb" providerId="LiveId" clId="{E5F2DE68-4190-41F0-9E70-54CCD6C8E3DB}" dt="2024-03-29T18:50:09.141" v="753"/>
+        <pc:chgData name="Tami McManus" userId="4a41d8b392a254fb" providerId="LiveId" clId="{E5F2DE68-4190-41F0-9E70-54CCD6C8E3DB}" dt="2024-03-30T15:57:57.791" v="811" actId="20577"/>
         <pc:sldMkLst>
           <pc:docMk/>
           <pc:sldMk cId="2330217772" sldId="271"/>
         </pc:sldMkLst>
         <pc:spChg chg="mod">
-          <ac:chgData name="Tami McManus" userId="4a41d8b392a254fb" providerId="LiveId" clId="{E5F2DE68-4190-41F0-9E70-54CCD6C8E3DB}" dt="2024-03-29T18:50:09.141" v="753"/>
+          <ac:chgData name="Tami McManus" userId="4a41d8b392a254fb" providerId="LiveId" clId="{E5F2DE68-4190-41F0-9E70-54CCD6C8E3DB}" dt="2024-03-30T15:57:57.791" v="811" actId="20577"/>
           <ac:spMkLst>
             <pc:docMk/>
             <pc:sldMk cId="2330217772" sldId="271"/>
@@ -18923,13 +18923,22 @@
               <a:buNone/>
             </a:pPr>
             <a:r>
+              <a:rPr lang="en-US" dirty="0" err="1">
+                <a:solidFill>
+                  <a:schemeClr val="tx1"/>
+                </a:solidFill>
+                <a:latin typeface="Aptos" panose="020B0004020202020204" pitchFamily="34" charset="0"/>
+              </a:rPr>
+              <a:t>JupyterLab</a:t>
+            </a:r>
+            <a:r>
               <a:rPr lang="en-US" dirty="0">
                 <a:solidFill>
                   <a:schemeClr val="tx1"/>
                 </a:solidFill>
                 <a:latin typeface="Aptos" panose="020B0004020202020204" pitchFamily="34" charset="0"/>
               </a:rPr>
-              <a:t>Jupyter Lab, Version 4.1.2</a:t>
+              <a:t>, Version 4.1.2</a:t>
             </a:r>
           </a:p>
           <a:p>
